--- a/pro.pre.pptx
+++ b/pro.pre.pptx
@@ -114,10 +114,10 @@
   </p:defaultTextStyle>
   <p:extLst>
     <p:ext uri="{EFAFB233-063F-42B5-8137-9DF3F51BA10A}">
-      <p15:sldGuideLst xmlns:p15="http://schemas.microsoft.com/office/powerpoint/2012/main" xmlns=""/>
+      <p15:sldGuideLst xmlns="" xmlns:p15="http://schemas.microsoft.com/office/powerpoint/2012/main"/>
     </p:ext>
     <p:ext uri="{2D200454-40CA-4A62-9FC3-DE9A4176ACB9}">
-      <p15:notesGuideLst xmlns:p15="http://schemas.microsoft.com/office/powerpoint/2012/main" xmlns=""/>
+      <p15:notesGuideLst xmlns="" xmlns:p15="http://schemas.microsoft.com/office/powerpoint/2012/main"/>
     </p:ext>
   </p:extLst>
 </p:presentation>
@@ -3809,7 +3809,7 @@
   </p:txStyles>
   <p:extLst mod="1">
     <p:ext uri="{27BBF7A9-308A-43DC-89C8-2F10F3537804}">
-      <p15:sldGuideLst xmlns:p15="http://schemas.microsoft.com/office/powerpoint/2012/main" xmlns="">
+      <p15:sldGuideLst xmlns="" xmlns:p15="http://schemas.microsoft.com/office/powerpoint/2012/main">
         <p15:guide id="1" pos="3840" userDrawn="1">
           <p15:clr>
             <a:srgbClr val="F26B43"/>
@@ -4042,13 +4042,35 @@
         <p:spPr/>
         <p:txBody>
           <a:bodyPr>
-            <a:normAutofit fontScale="92500" lnSpcReduction="20000"/>
+            <a:normAutofit fontScale="70000" lnSpcReduction="20000"/>
           </a:bodyPr>
           <a:lstStyle/>
           <a:p>
             <a:pPr marL="0" indent="0">
               <a:buNone/>
             </a:pPr>
+            <a:endParaRPr lang="he-IL" sz="3600" dirty="0" smtClean="0">
+              <a:solidFill>
+                <a:schemeClr val="accent2">
+                  <a:lumMod val="75000"/>
+                </a:schemeClr>
+              </a:solidFill>
+            </a:endParaRPr>
+          </a:p>
+          <a:p>
+            <a:pPr marL="0" indent="0">
+              <a:buNone/>
+            </a:pPr>
+            <a:r>
+              <a:rPr lang="he-IL" sz="4000" dirty="0">
+                <a:solidFill>
+                  <a:schemeClr val="accent2">
+                    <a:lumMod val="75000"/>
+                  </a:schemeClr>
+                </a:solidFill>
+              </a:rPr>
+              <a:t> חיבורים מחבר בין נזקקים לבין אתרי מסירת חפצים (כמו אגורה) ומספק הובלה, במטרה לעזור לנזקקים למצוא ולקבל רהיטים ומוצרי חשמל שונים בחינם. </a:t>
+            </a:r>
             <a:r>
               <a:rPr lang="he-IL" sz="3600" dirty="0" smtClean="0">
                 <a:solidFill>
@@ -4057,13 +4079,30 @@
                   </a:schemeClr>
                 </a:solidFill>
               </a:rPr>
-              <a:t>המטרה המרכזית של הארגון הינה חיבור ריהוט יד 2 לנזקקים . </a:t>
-            </a:r>
+              <a:t> </a:t>
+            </a:r>
+            <a:endParaRPr lang="he-IL" sz="3600" dirty="0" smtClean="0">
+              <a:solidFill>
+                <a:schemeClr val="accent2">
+                  <a:lumMod val="75000"/>
+                </a:schemeClr>
+              </a:solidFill>
+            </a:endParaRPr>
           </a:p>
           <a:p>
             <a:pPr marL="0" indent="0">
               <a:buNone/>
             </a:pPr>
+            <a:r>
+              <a:rPr lang="he-IL" sz="3600" dirty="0" smtClean="0">
+                <a:solidFill>
+                  <a:schemeClr val="accent2">
+                    <a:lumMod val="75000"/>
+                  </a:schemeClr>
+                </a:solidFill>
+              </a:rPr>
+              <a:t>הארגון </a:t>
+            </a:r>
             <a:r>
               <a:rPr lang="he-IL" sz="3600" dirty="0">
                 <a:solidFill>
@@ -4072,8 +4111,13 @@
                   </a:schemeClr>
                 </a:solidFill>
               </a:rPr>
-              <a:t>"חיבורים" ,ארגון </a:t>
-            </a:r>
+              <a:t>מתבסס על התנדבות של מובילים תמורת פרסום.</a:t>
+            </a:r>
+          </a:p>
+          <a:p>
+            <a:pPr marL="0" indent="0">
+              <a:buNone/>
+            </a:pPr>
             <a:r>
               <a:rPr lang="he-IL" sz="3600" dirty="0" smtClean="0">
                 <a:solidFill>
@@ -4082,17 +4126,27 @@
                   </a:schemeClr>
                 </a:solidFill>
               </a:rPr>
-              <a:t>שעוזר לאנשים </a:t>
-            </a:r>
-            <a:r>
-              <a:rPr lang="he-IL" sz="3600" dirty="0">
+              <a:t>על כל הובלה חברתית  מקבלים פוסט </a:t>
+            </a:r>
+            <a:r>
+              <a:rPr lang="he-IL" sz="3600" dirty="0" err="1" smtClean="0">
                 <a:solidFill>
                   <a:schemeClr val="accent2">
                     <a:lumMod val="75000"/>
                   </a:schemeClr>
                 </a:solidFill>
               </a:rPr>
-              <a:t>שנזקקים לקבל ריהוט וציוד ביתי בסיסי בחינם</a:t>
+              <a:t>בפייסבוק</a:t>
+            </a:r>
+            <a:r>
+              <a:rPr lang="he-IL" sz="3600" dirty="0" smtClean="0">
+                <a:solidFill>
+                  <a:schemeClr val="accent2">
+                    <a:lumMod val="75000"/>
+                  </a:schemeClr>
+                </a:solidFill>
+              </a:rPr>
+              <a:t> של המיזם ואצל (אורלי וגיא) </a:t>
             </a:r>
             <a:r>
               <a:rPr lang="he-IL" sz="3600" dirty="0" smtClean="0">
@@ -4110,21 +4164,6 @@
               <a:buNone/>
             </a:pPr>
             <a:r>
-              <a:rPr lang="he-IL" sz="3600" dirty="0">
-                <a:solidFill>
-                  <a:schemeClr val="accent2">
-                    <a:lumMod val="75000"/>
-                  </a:schemeClr>
-                </a:solidFill>
-              </a:rPr>
-              <a:t>הארגון מתבסס על התנדבות של מובילים תמורת פרסום.</a:t>
-            </a:r>
-          </a:p>
-          <a:p>
-            <a:pPr marL="0" indent="0">
-              <a:buNone/>
-            </a:pPr>
-            <a:r>
               <a:rPr lang="he-IL" sz="3600" dirty="0" smtClean="0">
                 <a:solidFill>
                   <a:schemeClr val="accent2">
@@ -4132,27 +4171,7 @@
                   </a:schemeClr>
                 </a:solidFill>
               </a:rPr>
-              <a:t>על כל הובלה חברתית  מקבלים פוסט </a:t>
-            </a:r>
-            <a:r>
-              <a:rPr lang="he-IL" sz="3600" dirty="0" err="1" smtClean="0">
-                <a:solidFill>
-                  <a:schemeClr val="accent2">
-                    <a:lumMod val="75000"/>
-                  </a:schemeClr>
-                </a:solidFill>
-              </a:rPr>
-              <a:t>בפייסבוק</a:t>
-            </a:r>
-            <a:r>
-              <a:rPr lang="he-IL" sz="3600" dirty="0" smtClean="0">
-                <a:solidFill>
-                  <a:schemeClr val="accent2">
-                    <a:lumMod val="75000"/>
-                  </a:schemeClr>
-                </a:solidFill>
-              </a:rPr>
-              <a:t> של המיזם ואצל (אורלי וגיא) .</a:t>
+              <a:t>והתשלום הינו חלק כספי וחלק בעוד הצעות להובלות.</a:t>
             </a:r>
             <a:endParaRPr lang="he-IL" sz="3600" dirty="0">
               <a:solidFill>
@@ -4301,7 +4320,7 @@
         <p:spPr/>
         <p:txBody>
           <a:bodyPr>
-            <a:normAutofit fontScale="92500" lnSpcReduction="10000"/>
+            <a:normAutofit fontScale="92500" lnSpcReduction="20000"/>
           </a:bodyPr>
           <a:lstStyle/>
           <a:p>
@@ -4396,8 +4415,40 @@
                   </a:schemeClr>
                 </a:solidFill>
               </a:rPr>
-              <a:t>מערכת התאמה בין התורם לבין המובילים.</a:t>
-            </a:r>
+              <a:t>מערכת התאמה בין התורם לבין המובילים</a:t>
+            </a:r>
+            <a:r>
+              <a:rPr lang="he-IL" sz="3600" dirty="0" smtClean="0">
+                <a:solidFill>
+                  <a:schemeClr val="accent2">
+                    <a:lumMod val="75000"/>
+                  </a:schemeClr>
+                </a:solidFill>
+              </a:rPr>
+              <a:t>.</a:t>
+            </a:r>
+          </a:p>
+          <a:p>
+            <a:pPr marL="742950" indent="-742950">
+              <a:buAutoNum type="arabicPeriod"/>
+            </a:pPr>
+            <a:r>
+              <a:rPr lang="he-IL" sz="3600" dirty="0" smtClean="0">
+                <a:solidFill>
+                  <a:schemeClr val="accent2">
+                    <a:lumMod val="75000"/>
+                  </a:schemeClr>
+                </a:solidFill>
+              </a:rPr>
+              <a:t>מערכת תגמול ( חלק כספי וחלק בעוד הובלות)</a:t>
+            </a:r>
+            <a:endParaRPr lang="he-IL" sz="3600" dirty="0" smtClean="0">
+              <a:solidFill>
+                <a:schemeClr val="accent2">
+                  <a:lumMod val="75000"/>
+                </a:schemeClr>
+              </a:solidFill>
+            </a:endParaRPr>
           </a:p>
           <a:p>
             <a:pPr marL="0" indent="0">
@@ -4715,7 +4766,7 @@
   <a:extraClrSchemeLst/>
   <a:extLst>
     <a:ext uri="{05A4C25C-085E-4340-85A3-A5531E510DB2}">
-      <thm15:themeFamily xmlns:thm15="http://schemas.microsoft.com/office/thememl/2012/main" xmlns="" name="Office Theme" id="{62F939B6-93AF-4DB8-9C6B-D6C7DFDC589F}" vid="{4A3C46E8-61CC-4603-A589-7422A47A8E4A}"/>
+      <thm15:themeFamily xmlns="" xmlns:thm15="http://schemas.microsoft.com/office/thememl/2012/main" name="Office Theme" id="{62F939B6-93AF-4DB8-9C6B-D6C7DFDC589F}" vid="{4A3C46E8-61CC-4603-A589-7422A47A8E4A}"/>
     </a:ext>
   </a:extLst>
 </a:theme>
@@ -4976,7 +5027,7 @@
   <a:extraClrSchemeLst/>
   <a:extLst>
     <a:ext uri="{05A4C25C-085E-4340-85A3-A5531E510DB2}">
-      <thm15:themeFamily xmlns:thm15="http://schemas.microsoft.com/office/thememl/2012/main" xmlns="" name="Office Theme" id="{62F939B6-93AF-4DB8-9C6B-D6C7DFDC589F}" vid="{4A3C46E8-61CC-4603-A589-7422A47A8E4A}"/>
+      <thm15:themeFamily xmlns="" xmlns:thm15="http://schemas.microsoft.com/office/thememl/2012/main" name="Office Theme" id="{62F939B6-93AF-4DB8-9C6B-D6C7DFDC589F}" vid="{4A3C46E8-61CC-4603-A589-7422A47A8E4A}"/>
     </a:ext>
   </a:extLst>
 </a:theme>
@@ -5237,7 +5288,7 @@
   <a:extraClrSchemeLst/>
   <a:extLst>
     <a:ext uri="{05A4C25C-085E-4340-85A3-A5531E510DB2}">
-      <thm15:themeFamily xmlns:thm15="http://schemas.microsoft.com/office/thememl/2012/main" xmlns="" name="Office Theme" id="{62F939B6-93AF-4DB8-9C6B-D6C7DFDC589F}" vid="{4A3C46E8-61CC-4603-A589-7422A47A8E4A}"/>
+      <thm15:themeFamily xmlns="" xmlns:thm15="http://schemas.microsoft.com/office/thememl/2012/main" name="Office Theme" id="{62F939B6-93AF-4DB8-9C6B-D6C7DFDC589F}" vid="{4A3C46E8-61CC-4603-A589-7422A47A8E4A}"/>
     </a:ext>
   </a:extLst>
 </a:theme>

--- a/pro.pre.pptx
+++ b/pro.pre.pptx
@@ -5,15 +5,20 @@
     <p:sldMasterId id="2147483648" r:id="rId2"/>
   </p:sldMasterIdLst>
   <p:notesMasterIdLst>
-    <p:notesMasterId r:id="rId6"/>
+    <p:notesMasterId r:id="rId11"/>
   </p:notesMasterIdLst>
   <p:handoutMasterIdLst>
-    <p:handoutMasterId r:id="rId7"/>
+    <p:handoutMasterId r:id="rId12"/>
   </p:handoutMasterIdLst>
   <p:sldIdLst>
     <p:sldId id="256" r:id="rId3"/>
     <p:sldId id="257" r:id="rId4"/>
     <p:sldId id="264" r:id="rId5"/>
+    <p:sldId id="265" r:id="rId6"/>
+    <p:sldId id="266" r:id="rId7"/>
+    <p:sldId id="267" r:id="rId8"/>
+    <p:sldId id="269" r:id="rId9"/>
+    <p:sldId id="270" r:id="rId10"/>
   </p:sldIdLst>
   <p:sldSz cx="12192000" cy="6858000"/>
   <p:notesSz cx="6858000" cy="9144000"/>
@@ -3881,7 +3886,11 @@
             <a:pPr algn="r"/>
             <a:r>
               <a:rPr lang="he-IL" sz="4800" dirty="0" smtClean="0"/>
-              <a:t>פרויקט חיבורים</a:t>
+              <a:t>עמותת </a:t>
+            </a:r>
+            <a:r>
+              <a:rPr lang="he-IL" sz="4800" dirty="0" smtClean="0"/>
+              <a:t>חיבורים</a:t>
             </a:r>
           </a:p>
           <a:p>
@@ -4017,7 +4026,27 @@
                   </a:schemeClr>
                 </a:solidFill>
               </a:rPr>
-              <a:t>על הארגון ?..</a:t>
+              <a:t>על </a:t>
+            </a:r>
+            <a:r>
+              <a:rPr lang="he-IL" dirty="0" smtClean="0">
+                <a:solidFill>
+                  <a:schemeClr val="accent5">
+                    <a:lumMod val="75000"/>
+                  </a:schemeClr>
+                </a:solidFill>
+              </a:rPr>
+              <a:t>העמותה </a:t>
+            </a:r>
+            <a:r>
+              <a:rPr lang="he-IL" dirty="0" smtClean="0">
+                <a:solidFill>
+                  <a:schemeClr val="accent5">
+                    <a:lumMod val="75000"/>
+                  </a:schemeClr>
+                </a:solidFill>
+              </a:rPr>
+              <a:t>?..</a:t>
             </a:r>
             <a:endParaRPr lang="en-US" dirty="0">
               <a:solidFill>
@@ -4042,7 +4071,7 @@
         <p:spPr/>
         <p:txBody>
           <a:bodyPr>
-            <a:normAutofit fontScale="70000" lnSpcReduction="20000"/>
+            <a:normAutofit fontScale="55000" lnSpcReduction="20000"/>
           </a:bodyPr>
           <a:lstStyle/>
           <a:p>
@@ -4062,6 +4091,16 @@
               <a:buNone/>
             </a:pPr>
             <a:r>
+              <a:rPr lang="he-IL" sz="4000" dirty="0" smtClean="0">
+                <a:solidFill>
+                  <a:schemeClr val="accent2">
+                    <a:lumMod val="75000"/>
+                  </a:schemeClr>
+                </a:solidFill>
+              </a:rPr>
+              <a:t>חיבורים היא עמותה המחברת </a:t>
+            </a:r>
+            <a:r>
               <a:rPr lang="he-IL" sz="4000" dirty="0">
                 <a:solidFill>
                   <a:schemeClr val="accent2">
@@ -4069,7 +4108,67 @@
                   </a:schemeClr>
                 </a:solidFill>
               </a:rPr>
-              <a:t> חיבורים מחבר בין נזקקים לבין אתרי מסירת חפצים (כמו אגורה) ומספק הובלה, במטרה לעזור לנזקקים למצוא ולקבל רהיטים ומוצרי חשמל שונים בחינם. </a:t>
+              <a:t>בין נזקקים לבין אתרי מסירת חפצים (כמו אגורה) </a:t>
+            </a:r>
+            <a:r>
+              <a:rPr lang="he-IL" sz="4000" dirty="0" smtClean="0">
+                <a:solidFill>
+                  <a:schemeClr val="accent2">
+                    <a:lumMod val="75000"/>
+                  </a:schemeClr>
+                </a:solidFill>
+              </a:rPr>
+              <a:t>או תורמים פרטיים, ומספקת הובלה </a:t>
+            </a:r>
+            <a:r>
+              <a:rPr lang="he-IL" sz="4000" dirty="0">
+                <a:solidFill>
+                  <a:schemeClr val="accent2">
+                    <a:lumMod val="75000"/>
+                  </a:schemeClr>
+                </a:solidFill>
+              </a:rPr>
+              <a:t>במטרה </a:t>
+            </a:r>
+            <a:r>
+              <a:rPr lang="he-IL" sz="4000" dirty="0" smtClean="0">
+                <a:solidFill>
+                  <a:schemeClr val="accent2">
+                    <a:lumMod val="75000"/>
+                  </a:schemeClr>
+                </a:solidFill>
+              </a:rPr>
+              <a:t>להעביר לנזקקים </a:t>
+            </a:r>
+            <a:r>
+              <a:rPr lang="he-IL" sz="4000" dirty="0">
+                <a:solidFill>
+                  <a:schemeClr val="accent2">
+                    <a:lumMod val="75000"/>
+                  </a:schemeClr>
+                </a:solidFill>
+              </a:rPr>
+              <a:t>רהיטים ומוצרי חשמל שונים </a:t>
+            </a:r>
+            <a:r>
+              <a:rPr lang="he-IL" sz="4000" dirty="0" smtClean="0">
+                <a:solidFill>
+                  <a:schemeClr val="accent2">
+                    <a:lumMod val="75000"/>
+                  </a:schemeClr>
+                </a:solidFill>
+              </a:rPr>
+              <a:t>החסרים להם ללא עלות.</a:t>
+            </a:r>
+            <a:r>
+              <a:rPr lang="he-IL" sz="4000" dirty="0">
+                <a:solidFill>
+                  <a:schemeClr val="accent2">
+                    <a:lumMod val="75000"/>
+                  </a:schemeClr>
+                </a:solidFill>
+              </a:rPr>
+              <a:t> </a:t>
             </a:r>
             <a:r>
               <a:rPr lang="he-IL" sz="3600" dirty="0" smtClean="0">
@@ -4101,7 +4200,7 @@
                   </a:schemeClr>
                 </a:solidFill>
               </a:rPr>
-              <a:t>הארגון </a:t>
+              <a:t>כיום העמותה מתבססת </a:t>
             </a:r>
             <a:r>
               <a:rPr lang="he-IL" sz="3600" dirty="0">
@@ -4111,13 +4210,8 @@
                   </a:schemeClr>
                 </a:solidFill>
               </a:rPr>
-              <a:t>מתבסס על התנדבות של מובילים תמורת פרסום.</a:t>
-            </a:r>
-          </a:p>
-          <a:p>
-            <a:pPr marL="0" indent="0">
-              <a:buNone/>
-            </a:pPr>
+              <a:t>על התנדבות של מובילים </a:t>
+            </a:r>
             <a:r>
               <a:rPr lang="he-IL" sz="3600" dirty="0" smtClean="0">
                 <a:solidFill>
@@ -4126,7 +4220,32 @@
                   </a:schemeClr>
                 </a:solidFill>
               </a:rPr>
-              <a:t>על כל הובלה חברתית  מקבלים פוסט </a:t>
+              <a:t>חברתיים תמורת פרסום.</a:t>
+            </a:r>
+          </a:p>
+          <a:p>
+            <a:pPr marL="0" indent="0">
+              <a:buNone/>
+            </a:pPr>
+            <a:r>
+              <a:rPr lang="he-IL" sz="3600" dirty="0" smtClean="0">
+                <a:solidFill>
+                  <a:schemeClr val="accent2">
+                    <a:lumMod val="75000"/>
+                  </a:schemeClr>
+                </a:solidFill>
+              </a:rPr>
+              <a:t>פרסום זה מתבטא ב</a:t>
+            </a:r>
+            <a:r>
+              <a:rPr lang="he-IL" sz="3600" dirty="0" smtClean="0">
+                <a:solidFill>
+                  <a:schemeClr val="accent2">
+                    <a:lumMod val="75000"/>
+                  </a:schemeClr>
+                </a:solidFill>
+              </a:rPr>
+              <a:t>פוסט </a:t>
             </a:r>
             <a:r>
               <a:rPr lang="he-IL" sz="3600" dirty="0" err="1" smtClean="0">
@@ -4146,7 +4265,7 @@
                   </a:schemeClr>
                 </a:solidFill>
               </a:rPr>
-              <a:t> של המיזם ואצל (אורלי וגיא) </a:t>
+              <a:t> של המיזם </a:t>
             </a:r>
             <a:r>
               <a:rPr lang="he-IL" sz="3600" dirty="0" smtClean="0">
@@ -4156,7 +4275,7 @@
                   </a:schemeClr>
                 </a:solidFill>
               </a:rPr>
-              <a:t>.</a:t>
+              <a:t>ופרסום בתוכנית שלאורלי וגיא.</a:t>
             </a:r>
           </a:p>
           <a:p>
@@ -4171,8 +4290,42 @@
                   </a:schemeClr>
                 </a:solidFill>
               </a:rPr>
-              <a:t>והתשלום הינו חלק כספי וחלק בעוד הצעות להובלות.</a:t>
-            </a:r>
+              <a:t>בנוסף שמו של המוביל החברתי מתפרסם ברשימת המובילים החברתיים.</a:t>
+            </a:r>
+            <a:endParaRPr lang="he-IL" sz="3600" dirty="0" smtClean="0">
+              <a:solidFill>
+                <a:schemeClr val="accent2">
+                  <a:lumMod val="75000"/>
+                </a:schemeClr>
+              </a:solidFill>
+            </a:endParaRPr>
+          </a:p>
+          <a:p>
+            <a:pPr marL="0" indent="0">
+              <a:buNone/>
+            </a:pPr>
+            <a:r>
+              <a:rPr lang="he-IL" sz="3600" dirty="0" smtClean="0">
+                <a:solidFill>
+                  <a:schemeClr val="accent2">
+                    <a:lumMod val="75000"/>
+                  </a:schemeClr>
+                </a:solidFill>
+              </a:rPr>
+              <a:t>ניתן להיכנס לאתר העמותה, לתרום מוצרים שונים, לתרום כסף או להתנדב.</a:t>
+            </a:r>
+            <a:endParaRPr lang="he-IL" sz="3600" dirty="0" smtClean="0">
+              <a:solidFill>
+                <a:schemeClr val="accent2">
+                  <a:lumMod val="75000"/>
+                </a:schemeClr>
+              </a:solidFill>
+            </a:endParaRPr>
+          </a:p>
+          <a:p>
+            <a:pPr marL="0" indent="0">
+              <a:buNone/>
+            </a:pPr>
             <a:endParaRPr lang="he-IL" sz="3600" dirty="0">
               <a:solidFill>
                 <a:schemeClr val="accent2">
@@ -4320,7 +4473,7 @@
         <p:spPr/>
         <p:txBody>
           <a:bodyPr>
-            <a:normAutofit fontScale="92500" lnSpcReduction="20000"/>
+            <a:normAutofit fontScale="70000" lnSpcReduction="20000"/>
           </a:bodyPr>
           <a:lstStyle/>
           <a:p>
@@ -4335,8 +4488,25 @@
                   </a:schemeClr>
                 </a:solidFill>
               </a:rPr>
-              <a:t>לארגון יש צרכים שהטכנולוגיה יכולה לעזור לקידום המיזם :</a:t>
-            </a:r>
+              <a:t>לארגון יש צרכים </a:t>
+            </a:r>
+            <a:r>
+              <a:rPr lang="he-IL" sz="3600" dirty="0" smtClean="0">
+                <a:solidFill>
+                  <a:schemeClr val="accent2">
+                    <a:lumMod val="75000"/>
+                  </a:schemeClr>
+                </a:solidFill>
+              </a:rPr>
+              <a:t>טכנולוגיים היכולים להגדיל את העברת הציוד לנזקקים:</a:t>
+            </a:r>
+            <a:endParaRPr lang="he-IL" sz="3600" dirty="0" smtClean="0">
+              <a:solidFill>
+                <a:schemeClr val="accent2">
+                  <a:lumMod val="75000"/>
+                </a:schemeClr>
+              </a:solidFill>
+            </a:endParaRPr>
           </a:p>
           <a:p>
             <a:pPr marL="742950" indent="-742950">
@@ -4365,8 +4535,40 @@
                   </a:schemeClr>
                 </a:solidFill>
               </a:rPr>
-              <a:t>מאגר של נזקקים .</a:t>
-            </a:r>
+              <a:t>מאגר של </a:t>
+            </a:r>
+            <a:r>
+              <a:rPr lang="he-IL" sz="3600" dirty="0" smtClean="0">
+                <a:solidFill>
+                  <a:schemeClr val="accent2">
+                    <a:lumMod val="75000"/>
+                  </a:schemeClr>
+                </a:solidFill>
+              </a:rPr>
+              <a:t>נזקקים והציוד לו הם זקוקים ומיקומם.</a:t>
+            </a:r>
+          </a:p>
+          <a:p>
+            <a:pPr marL="742950" indent="-742950">
+              <a:buAutoNum type="arabicPeriod"/>
+            </a:pPr>
+            <a:r>
+              <a:rPr lang="he-IL" sz="3600" dirty="0" smtClean="0">
+                <a:solidFill>
+                  <a:schemeClr val="accent2">
+                    <a:lumMod val="75000"/>
+                  </a:schemeClr>
+                </a:solidFill>
+              </a:rPr>
+              <a:t>מאגר של תורמים והציוד אותו הם רוצים לתרום ומיקומם.</a:t>
+            </a:r>
+            <a:endParaRPr lang="he-IL" sz="3600" dirty="0" smtClean="0">
+              <a:solidFill>
+                <a:schemeClr val="accent2">
+                  <a:lumMod val="75000"/>
+                </a:schemeClr>
+              </a:solidFill>
+            </a:endParaRPr>
           </a:p>
           <a:p>
             <a:pPr marL="742950" indent="-742950">
@@ -4383,16 +4585,6 @@
               <a:t>מערכת </a:t>
             </a:r>
             <a:r>
-              <a:rPr lang="he-IL" sz="3600" dirty="0" err="1" smtClean="0">
-                <a:solidFill>
-                  <a:schemeClr val="accent2">
-                    <a:lumMod val="75000"/>
-                  </a:schemeClr>
-                </a:solidFill>
-              </a:rPr>
-              <a:t>לידים</a:t>
-            </a:r>
-            <a:r>
               <a:rPr lang="he-IL" sz="3600" dirty="0" smtClean="0">
                 <a:solidFill>
                   <a:schemeClr val="accent2">
@@ -4400,13 +4592,8 @@
                   </a:schemeClr>
                 </a:solidFill>
               </a:rPr>
-              <a:t> מבוססת על מיקום וזמן פנוי (על ידי ניהול לוז של מובילים )</a:t>
-            </a:r>
-          </a:p>
-          <a:p>
-            <a:pPr marL="742950" indent="-742950">
-              <a:buAutoNum type="arabicPeriod"/>
-            </a:pPr>
+              <a:t>בקשות משלוחים המבוססת </a:t>
+            </a:r>
             <a:r>
               <a:rPr lang="he-IL" sz="3600" dirty="0" smtClean="0">
                 <a:solidFill>
@@ -4415,7 +4602,7 @@
                   </a:schemeClr>
                 </a:solidFill>
               </a:rPr>
-              <a:t>מערכת התאמה בין התורם לבין המובילים</a:t>
+              <a:t>על </a:t>
             </a:r>
             <a:r>
               <a:rPr lang="he-IL" sz="3600" dirty="0" smtClean="0">
@@ -4425,8 +4612,15 @@
                   </a:schemeClr>
                 </a:solidFill>
               </a:rPr>
-              <a:t>.</a:t>
-            </a:r>
+              <a:t>זמינותו של מוביל חברתי ספציפי וקרבתו לתורם פוטנציאלי על מנת לקחת את הציוד ולהעביר לנזקק המתאים.</a:t>
+            </a:r>
+            <a:endParaRPr lang="he-IL" sz="3600" dirty="0" smtClean="0">
+              <a:solidFill>
+                <a:schemeClr val="accent2">
+                  <a:lumMod val="75000"/>
+                </a:schemeClr>
+              </a:solidFill>
+            </a:endParaRPr>
           </a:p>
           <a:p>
             <a:pPr marL="742950" indent="-742950">
@@ -4440,7 +4634,89 @@
                   </a:schemeClr>
                 </a:solidFill>
               </a:rPr>
-              <a:t>מערכת תגמול ( חלק כספי וחלק בעוד הובלות)</a:t>
+              <a:t>מערכת </a:t>
+            </a:r>
+            <a:r>
+              <a:rPr lang="he-IL" sz="3600" dirty="0" smtClean="0">
+                <a:solidFill>
+                  <a:schemeClr val="accent2">
+                    <a:lumMod val="75000"/>
+                  </a:schemeClr>
+                </a:solidFill>
+              </a:rPr>
+              <a:t>תיאום </a:t>
+            </a:r>
+            <a:r>
+              <a:rPr lang="he-IL" sz="3600" dirty="0" smtClean="0">
+                <a:solidFill>
+                  <a:schemeClr val="accent2">
+                    <a:lumMod val="75000"/>
+                  </a:schemeClr>
+                </a:solidFill>
+              </a:rPr>
+              <a:t> </a:t>
+            </a:r>
+            <a:r>
+              <a:rPr lang="he-IL" sz="3600" dirty="0" smtClean="0">
+                <a:solidFill>
+                  <a:schemeClr val="accent2">
+                    <a:lumMod val="75000"/>
+                  </a:schemeClr>
+                </a:solidFill>
+              </a:rPr>
+              <a:t>בין </a:t>
+            </a:r>
+            <a:r>
+              <a:rPr lang="he-IL" sz="3600" dirty="0" smtClean="0">
+                <a:solidFill>
+                  <a:schemeClr val="accent2">
+                    <a:lumMod val="75000"/>
+                  </a:schemeClr>
+                </a:solidFill>
+              </a:rPr>
+              <a:t>התורמים, המובילים</a:t>
+            </a:r>
+            <a:r>
+              <a:rPr lang="he-IL" sz="3600" dirty="0">
+                <a:solidFill>
+                  <a:schemeClr val="accent2">
+                    <a:lumMod val="75000"/>
+                  </a:schemeClr>
+                </a:solidFill>
+              </a:rPr>
+              <a:t> </a:t>
+            </a:r>
+            <a:r>
+              <a:rPr lang="he-IL" sz="3600" dirty="0" smtClean="0">
+                <a:solidFill>
+                  <a:schemeClr val="accent2">
+                    <a:lumMod val="75000"/>
+                  </a:schemeClr>
+                </a:solidFill>
+              </a:rPr>
+              <a:t>והנזקקים. </a:t>
+            </a:r>
+            <a:endParaRPr lang="he-IL" sz="3600" dirty="0" smtClean="0">
+              <a:solidFill>
+                <a:schemeClr val="accent2">
+                  <a:lumMod val="75000"/>
+                </a:schemeClr>
+              </a:solidFill>
+            </a:endParaRPr>
+          </a:p>
+          <a:p>
+            <a:pPr marL="742950" indent="-742950">
+              <a:buAutoNum type="arabicPeriod"/>
+            </a:pPr>
+            <a:r>
+              <a:rPr lang="he-IL" sz="3600" dirty="0" smtClean="0">
+                <a:solidFill>
+                  <a:schemeClr val="accent2">
+                    <a:lumMod val="75000"/>
+                  </a:schemeClr>
+                </a:solidFill>
+              </a:rPr>
+              <a:t>מערכת תגמול ( חלק כספי וחלק בעוד הובלות חברתיות).</a:t>
             </a:r>
             <a:endParaRPr lang="he-IL" sz="3600" dirty="0" smtClean="0">
               <a:solidFill>
@@ -4483,6 +4759,2254 @@
     <p:extLst>
       <p:ext uri="{BB962C8B-B14F-4D97-AF65-F5344CB8AC3E}">
         <p14:creationId xmlns:p14="http://schemas.microsoft.com/office/powerpoint/2010/main" val="3918331786"/>
+      </p:ext>
+    </p:extLst>
+  </p:cSld>
+  <p:clrMapOvr>
+    <a:masterClrMapping/>
+  </p:clrMapOvr>
+  <mc:AlternateContent xmlns:mc="http://schemas.openxmlformats.org/markup-compatibility/2006" xmlns:p14="http://schemas.microsoft.com/office/powerpoint/2010/main">
+    <mc:Choice Requires="p14">
+      <p:transition spd="med" p14:dur="700">
+        <p:fade/>
+      </p:transition>
+    </mc:Choice>
+    <mc:Fallback xmlns="">
+      <p:transition spd="med">
+        <p:fade/>
+      </p:transition>
+    </mc:Fallback>
+  </mc:AlternateContent>
+  <p:timing>
+    <p:tnLst>
+      <p:par>
+        <p:cTn id="1" dur="indefinite" restart="never" nodeType="tmRoot"/>
+      </p:par>
+    </p:tnLst>
+  </p:timing>
+</p:sld>
+</file>
+
+<file path=ppt/slides/slide4.xml><?xml version="1.0" encoding="utf-8"?>
+<p:sld xmlns:a="http://schemas.openxmlformats.org/drawingml/2006/main" xmlns:r="http://schemas.openxmlformats.org/officeDocument/2006/relationships" xmlns:p="http://schemas.openxmlformats.org/presentationml/2006/main">
+  <p:cSld>
+    <p:spTree>
+      <p:nvGrpSpPr>
+        <p:cNvPr id="1" name=""/>
+        <p:cNvGrpSpPr/>
+        <p:nvPr/>
+      </p:nvGrpSpPr>
+      <p:grpSpPr>
+        <a:xfrm>
+          <a:off x="0" y="0"/>
+          <a:ext cx="0" cy="0"/>
+          <a:chOff x="0" y="0"/>
+          <a:chExt cx="0" cy="0"/>
+        </a:xfrm>
+      </p:grpSpPr>
+      <p:sp>
+        <p:nvSpPr>
+          <p:cNvPr id="4" name="Title 1"/>
+          <p:cNvSpPr>
+            <a:spLocks noGrp="1"/>
+          </p:cNvSpPr>
+          <p:nvPr>
+            <p:ph type="title"/>
+          </p:nvPr>
+        </p:nvSpPr>
+        <p:spPr>
+          <a:xfrm>
+            <a:off x="3287688" y="548680"/>
+            <a:ext cx="4394920" cy="1145224"/>
+          </a:xfrm>
+        </p:spPr>
+        <p:txBody>
+          <a:bodyPr/>
+          <a:lstStyle/>
+          <a:p>
+            <a:pPr algn="r"/>
+            <a:r>
+              <a:rPr lang="he-IL" dirty="0" smtClean="0">
+                <a:solidFill>
+                  <a:schemeClr val="accent5">
+                    <a:lumMod val="75000"/>
+                  </a:schemeClr>
+                </a:solidFill>
+              </a:rPr>
+              <a:t>ניהול </a:t>
+            </a:r>
+            <a:r>
+              <a:rPr lang="en-US" dirty="0" smtClean="0">
+                <a:solidFill>
+                  <a:schemeClr val="accent5">
+                    <a:lumMod val="75000"/>
+                  </a:schemeClr>
+                </a:solidFill>
+              </a:rPr>
+              <a:t>DB </a:t>
+            </a:r>
+            <a:endParaRPr lang="en-US" dirty="0">
+              <a:solidFill>
+                <a:schemeClr val="accent5">
+                  <a:lumMod val="75000"/>
+                </a:schemeClr>
+              </a:solidFill>
+            </a:endParaRPr>
+          </a:p>
+        </p:txBody>
+      </p:sp>
+      <p:sp>
+        <p:nvSpPr>
+          <p:cNvPr id="5" name="תרשים זרימה: דיסק מגנטי 4"/>
+          <p:cNvSpPr/>
+          <p:nvPr/>
+        </p:nvSpPr>
+        <p:spPr>
+          <a:xfrm>
+            <a:off x="9696400" y="2276872"/>
+            <a:ext cx="1008112" cy="2376264"/>
+          </a:xfrm>
+          <a:prstGeom prst="flowChartMagneticDisk">
+            <a:avLst/>
+          </a:prstGeom>
+        </p:spPr>
+        <p:style>
+          <a:lnRef idx="2">
+            <a:schemeClr val="accent1">
+              <a:shade val="50000"/>
+            </a:schemeClr>
+          </a:lnRef>
+          <a:fillRef idx="1">
+            <a:schemeClr val="accent1"/>
+          </a:fillRef>
+          <a:effectRef idx="0">
+            <a:schemeClr val="accent1"/>
+          </a:effectRef>
+          <a:fontRef idx="minor">
+            <a:schemeClr val="lt1"/>
+          </a:fontRef>
+        </p:style>
+        <p:txBody>
+          <a:bodyPr rtlCol="1" anchor="ctr"/>
+          <a:lstStyle/>
+          <a:p>
+            <a:pPr algn="ctr"/>
+            <a:endParaRPr lang="he-IL"/>
+          </a:p>
+        </p:txBody>
+      </p:sp>
+      <p:sp>
+        <p:nvSpPr>
+          <p:cNvPr id="6" name="מלבן 5"/>
+          <p:cNvSpPr/>
+          <p:nvPr/>
+        </p:nvSpPr>
+        <p:spPr>
+          <a:xfrm>
+            <a:off x="8904312" y="1196752"/>
+            <a:ext cx="2295821" cy="923330"/>
+          </a:xfrm>
+          <a:prstGeom prst="rect">
+            <a:avLst/>
+          </a:prstGeom>
+          <a:noFill/>
+        </p:spPr>
+        <p:txBody>
+          <a:bodyPr wrap="none" lIns="91440" tIns="45720" rIns="91440" bIns="45720">
+            <a:spAutoFit/>
+            <a:scene3d>
+              <a:camera prst="orthographicFront"/>
+              <a:lightRig rig="soft" dir="tl">
+                <a:rot lat="0" lon="0" rev="0"/>
+              </a:lightRig>
+            </a:scene3d>
+            <a:sp3d contourW="25400" prstMaterial="matte">
+              <a:bevelT w="25400" h="55880" prst="artDeco"/>
+              <a:contourClr>
+                <a:schemeClr val="accent2">
+                  <a:tint val="20000"/>
+                </a:schemeClr>
+              </a:contourClr>
+            </a:sp3d>
+          </a:bodyPr>
+          <a:lstStyle/>
+          <a:p>
+            <a:pPr algn="ctr"/>
+            <a:r>
+              <a:rPr lang="he-IL" sz="5400" b="1" spc="50" dirty="0" smtClean="0">
+                <a:ln w="11430"/>
+                <a:gradFill>
+                  <a:gsLst>
+                    <a:gs pos="25000">
+                      <a:schemeClr val="accent2">
+                        <a:satMod val="155000"/>
+                      </a:schemeClr>
+                    </a:gs>
+                    <a:gs pos="100000">
+                      <a:schemeClr val="accent2">
+                        <a:shade val="45000"/>
+                        <a:satMod val="165000"/>
+                      </a:schemeClr>
+                    </a:gs>
+                  </a:gsLst>
+                  <a:lin ang="5400000"/>
+                </a:gradFill>
+                <a:effectLst>
+                  <a:outerShdw blurRad="76200" dist="50800" dir="5400000" algn="tl" rotWithShape="0">
+                    <a:srgbClr val="000000">
+                      <a:alpha val="65000"/>
+                    </a:srgbClr>
+                  </a:outerShdw>
+                </a:effectLst>
+              </a:rPr>
+              <a:t>נזקקים</a:t>
+            </a:r>
+            <a:endParaRPr lang="he-IL" sz="5400" b="1" cap="none" spc="50" dirty="0">
+              <a:ln w="11430"/>
+              <a:gradFill>
+                <a:gsLst>
+                  <a:gs pos="25000">
+                    <a:schemeClr val="accent2">
+                      <a:satMod val="155000"/>
+                    </a:schemeClr>
+                  </a:gs>
+                  <a:gs pos="100000">
+                    <a:schemeClr val="accent2">
+                      <a:shade val="45000"/>
+                      <a:satMod val="165000"/>
+                    </a:schemeClr>
+                  </a:gs>
+                </a:gsLst>
+                <a:lin ang="5400000"/>
+              </a:gradFill>
+              <a:effectLst>
+                <a:outerShdw blurRad="76200" dist="50800" dir="5400000" algn="tl" rotWithShape="0">
+                  <a:srgbClr val="000000">
+                    <a:alpha val="65000"/>
+                  </a:srgbClr>
+                </a:outerShdw>
+              </a:effectLst>
+            </a:endParaRPr>
+          </a:p>
+        </p:txBody>
+      </p:sp>
+    </p:spTree>
+    <p:extLst>
+      <p:ext uri="{BB962C8B-B14F-4D97-AF65-F5344CB8AC3E}">
+        <p14:creationId xmlns:p14="http://schemas.microsoft.com/office/powerpoint/2010/main" val="2898572414"/>
+      </p:ext>
+    </p:extLst>
+  </p:cSld>
+  <p:clrMapOvr>
+    <a:masterClrMapping/>
+  </p:clrMapOvr>
+  <mc:AlternateContent xmlns:mc="http://schemas.openxmlformats.org/markup-compatibility/2006" xmlns:p14="http://schemas.microsoft.com/office/powerpoint/2010/main">
+    <mc:Choice Requires="p14">
+      <p:transition spd="med" p14:dur="700">
+        <p:fade/>
+      </p:transition>
+    </mc:Choice>
+    <mc:Fallback xmlns="">
+      <p:transition spd="med">
+        <p:fade/>
+      </p:transition>
+    </mc:Fallback>
+  </mc:AlternateContent>
+  <p:timing>
+    <p:tnLst>
+      <p:par>
+        <p:cTn id="1" dur="indefinite" restart="never" nodeType="tmRoot"/>
+      </p:par>
+    </p:tnLst>
+  </p:timing>
+</p:sld>
+</file>
+
+<file path=ppt/slides/slide5.xml><?xml version="1.0" encoding="utf-8"?>
+<p:sld xmlns:a="http://schemas.openxmlformats.org/drawingml/2006/main" xmlns:r="http://schemas.openxmlformats.org/officeDocument/2006/relationships" xmlns:p="http://schemas.openxmlformats.org/presentationml/2006/main">
+  <p:cSld>
+    <p:spTree>
+      <p:nvGrpSpPr>
+        <p:cNvPr id="1" name=""/>
+        <p:cNvGrpSpPr/>
+        <p:nvPr/>
+      </p:nvGrpSpPr>
+      <p:grpSpPr>
+        <a:xfrm>
+          <a:off x="0" y="0"/>
+          <a:ext cx="0" cy="0"/>
+          <a:chOff x="0" y="0"/>
+          <a:chExt cx="0" cy="0"/>
+        </a:xfrm>
+      </p:grpSpPr>
+      <p:sp>
+        <p:nvSpPr>
+          <p:cNvPr id="4" name="Title 1"/>
+          <p:cNvSpPr>
+            <a:spLocks noGrp="1"/>
+          </p:cNvSpPr>
+          <p:nvPr>
+            <p:ph type="title"/>
+          </p:nvPr>
+        </p:nvSpPr>
+        <p:spPr>
+          <a:xfrm>
+            <a:off x="3287688" y="548680"/>
+            <a:ext cx="4394920" cy="1145224"/>
+          </a:xfrm>
+        </p:spPr>
+        <p:txBody>
+          <a:bodyPr/>
+          <a:lstStyle/>
+          <a:p>
+            <a:pPr algn="r"/>
+            <a:r>
+              <a:rPr lang="he-IL" dirty="0" smtClean="0">
+                <a:solidFill>
+                  <a:schemeClr val="accent5">
+                    <a:lumMod val="75000"/>
+                  </a:schemeClr>
+                </a:solidFill>
+              </a:rPr>
+              <a:t>ניהול </a:t>
+            </a:r>
+            <a:r>
+              <a:rPr lang="en-US" dirty="0" smtClean="0">
+                <a:solidFill>
+                  <a:schemeClr val="accent5">
+                    <a:lumMod val="75000"/>
+                  </a:schemeClr>
+                </a:solidFill>
+              </a:rPr>
+              <a:t>DB </a:t>
+            </a:r>
+            <a:endParaRPr lang="en-US" dirty="0">
+              <a:solidFill>
+                <a:schemeClr val="accent5">
+                  <a:lumMod val="75000"/>
+                </a:schemeClr>
+              </a:solidFill>
+            </a:endParaRPr>
+          </a:p>
+        </p:txBody>
+      </p:sp>
+      <p:sp>
+        <p:nvSpPr>
+          <p:cNvPr id="5" name="תרשים זרימה: דיסק מגנטי 4"/>
+          <p:cNvSpPr/>
+          <p:nvPr/>
+        </p:nvSpPr>
+        <p:spPr>
+          <a:xfrm>
+            <a:off x="9696400" y="2276872"/>
+            <a:ext cx="1008112" cy="2376264"/>
+          </a:xfrm>
+          <a:prstGeom prst="flowChartMagneticDisk">
+            <a:avLst/>
+          </a:prstGeom>
+        </p:spPr>
+        <p:style>
+          <a:lnRef idx="2">
+            <a:schemeClr val="accent1">
+              <a:shade val="50000"/>
+            </a:schemeClr>
+          </a:lnRef>
+          <a:fillRef idx="1">
+            <a:schemeClr val="accent1"/>
+          </a:fillRef>
+          <a:effectRef idx="0">
+            <a:schemeClr val="accent1"/>
+          </a:effectRef>
+          <a:fontRef idx="minor">
+            <a:schemeClr val="lt1"/>
+          </a:fontRef>
+        </p:style>
+        <p:txBody>
+          <a:bodyPr rtlCol="1" anchor="ctr"/>
+          <a:lstStyle/>
+          <a:p>
+            <a:pPr algn="ctr"/>
+            <a:endParaRPr lang="he-IL"/>
+          </a:p>
+        </p:txBody>
+      </p:sp>
+      <p:sp>
+        <p:nvSpPr>
+          <p:cNvPr id="6" name="מלבן 5"/>
+          <p:cNvSpPr/>
+          <p:nvPr/>
+        </p:nvSpPr>
+        <p:spPr>
+          <a:xfrm>
+            <a:off x="8904312" y="1196752"/>
+            <a:ext cx="2295821" cy="923330"/>
+          </a:xfrm>
+          <a:prstGeom prst="rect">
+            <a:avLst/>
+          </a:prstGeom>
+          <a:noFill/>
+        </p:spPr>
+        <p:txBody>
+          <a:bodyPr wrap="none" lIns="91440" tIns="45720" rIns="91440" bIns="45720">
+            <a:spAutoFit/>
+            <a:scene3d>
+              <a:camera prst="orthographicFront"/>
+              <a:lightRig rig="soft" dir="tl">
+                <a:rot lat="0" lon="0" rev="0"/>
+              </a:lightRig>
+            </a:scene3d>
+            <a:sp3d contourW="25400" prstMaterial="matte">
+              <a:bevelT w="25400" h="55880" prst="artDeco"/>
+              <a:contourClr>
+                <a:schemeClr val="accent2">
+                  <a:tint val="20000"/>
+                </a:schemeClr>
+              </a:contourClr>
+            </a:sp3d>
+          </a:bodyPr>
+          <a:lstStyle/>
+          <a:p>
+            <a:pPr algn="ctr"/>
+            <a:r>
+              <a:rPr lang="he-IL" sz="5400" b="1" spc="50" dirty="0" smtClean="0">
+                <a:ln w="11430"/>
+                <a:gradFill>
+                  <a:gsLst>
+                    <a:gs pos="25000">
+                      <a:schemeClr val="accent2">
+                        <a:satMod val="155000"/>
+                      </a:schemeClr>
+                    </a:gs>
+                    <a:gs pos="100000">
+                      <a:schemeClr val="accent2">
+                        <a:shade val="45000"/>
+                        <a:satMod val="165000"/>
+                      </a:schemeClr>
+                    </a:gs>
+                  </a:gsLst>
+                  <a:lin ang="5400000"/>
+                </a:gradFill>
+                <a:effectLst>
+                  <a:outerShdw blurRad="76200" dist="50800" dir="5400000" algn="tl" rotWithShape="0">
+                    <a:srgbClr val="000000">
+                      <a:alpha val="65000"/>
+                    </a:srgbClr>
+                  </a:outerShdw>
+                </a:effectLst>
+              </a:rPr>
+              <a:t>נזקקים</a:t>
+            </a:r>
+            <a:endParaRPr lang="he-IL" sz="5400" b="1" cap="none" spc="50" dirty="0">
+              <a:ln w="11430"/>
+              <a:gradFill>
+                <a:gsLst>
+                  <a:gs pos="25000">
+                    <a:schemeClr val="accent2">
+                      <a:satMod val="155000"/>
+                    </a:schemeClr>
+                  </a:gs>
+                  <a:gs pos="100000">
+                    <a:schemeClr val="accent2">
+                      <a:shade val="45000"/>
+                      <a:satMod val="165000"/>
+                    </a:schemeClr>
+                  </a:gs>
+                </a:gsLst>
+                <a:lin ang="5400000"/>
+              </a:gradFill>
+              <a:effectLst>
+                <a:outerShdw blurRad="76200" dist="50800" dir="5400000" algn="tl" rotWithShape="0">
+                  <a:srgbClr val="000000">
+                    <a:alpha val="65000"/>
+                  </a:srgbClr>
+                </a:outerShdw>
+              </a:effectLst>
+            </a:endParaRPr>
+          </a:p>
+        </p:txBody>
+      </p:sp>
+      <p:sp>
+        <p:nvSpPr>
+          <p:cNvPr id="7" name="תרשים זרימה: דיסק מגנטי 6"/>
+          <p:cNvSpPr/>
+          <p:nvPr/>
+        </p:nvSpPr>
+        <p:spPr>
+          <a:xfrm>
+            <a:off x="6312024" y="2956249"/>
+            <a:ext cx="1008112" cy="2376264"/>
+          </a:xfrm>
+          <a:prstGeom prst="flowChartMagneticDisk">
+            <a:avLst/>
+          </a:prstGeom>
+        </p:spPr>
+        <p:style>
+          <a:lnRef idx="2">
+            <a:schemeClr val="accent1">
+              <a:shade val="50000"/>
+            </a:schemeClr>
+          </a:lnRef>
+          <a:fillRef idx="1">
+            <a:schemeClr val="accent1"/>
+          </a:fillRef>
+          <a:effectRef idx="0">
+            <a:schemeClr val="accent1"/>
+          </a:effectRef>
+          <a:fontRef idx="minor">
+            <a:schemeClr val="lt1"/>
+          </a:fontRef>
+        </p:style>
+        <p:txBody>
+          <a:bodyPr rtlCol="1" anchor="ctr"/>
+          <a:lstStyle/>
+          <a:p>
+            <a:pPr algn="ctr"/>
+            <a:endParaRPr lang="he-IL"/>
+          </a:p>
+        </p:txBody>
+      </p:sp>
+      <p:sp>
+        <p:nvSpPr>
+          <p:cNvPr id="8" name="מלבן 7"/>
+          <p:cNvSpPr/>
+          <p:nvPr/>
+        </p:nvSpPr>
+        <p:spPr>
+          <a:xfrm>
+            <a:off x="5419749" y="1876129"/>
+            <a:ext cx="2496196" cy="923330"/>
+          </a:xfrm>
+          <a:prstGeom prst="rect">
+            <a:avLst/>
+          </a:prstGeom>
+          <a:noFill/>
+        </p:spPr>
+        <p:txBody>
+          <a:bodyPr wrap="none" lIns="91440" tIns="45720" rIns="91440" bIns="45720">
+            <a:spAutoFit/>
+            <a:scene3d>
+              <a:camera prst="orthographicFront"/>
+              <a:lightRig rig="soft" dir="tl">
+                <a:rot lat="0" lon="0" rev="0"/>
+              </a:lightRig>
+            </a:scene3d>
+            <a:sp3d contourW="25400" prstMaterial="matte">
+              <a:bevelT w="25400" h="55880" prst="artDeco"/>
+              <a:contourClr>
+                <a:schemeClr val="accent2">
+                  <a:tint val="20000"/>
+                </a:schemeClr>
+              </a:contourClr>
+            </a:sp3d>
+          </a:bodyPr>
+          <a:lstStyle/>
+          <a:p>
+            <a:pPr algn="ctr"/>
+            <a:r>
+              <a:rPr lang="he-IL" sz="5400" b="1" spc="50" dirty="0" smtClean="0">
+                <a:ln w="11430"/>
+                <a:gradFill>
+                  <a:gsLst>
+                    <a:gs pos="25000">
+                      <a:schemeClr val="accent2">
+                        <a:satMod val="155000"/>
+                      </a:schemeClr>
+                    </a:gs>
+                    <a:gs pos="100000">
+                      <a:schemeClr val="accent2">
+                        <a:shade val="45000"/>
+                        <a:satMod val="165000"/>
+                      </a:schemeClr>
+                    </a:gs>
+                  </a:gsLst>
+                  <a:lin ang="5400000"/>
+                </a:gradFill>
+                <a:effectLst>
+                  <a:outerShdw blurRad="76200" dist="50800" dir="5400000" algn="tl" rotWithShape="0">
+                    <a:srgbClr val="000000">
+                      <a:alpha val="65000"/>
+                    </a:srgbClr>
+                  </a:outerShdw>
+                </a:effectLst>
+              </a:rPr>
+              <a:t>תורמים</a:t>
+            </a:r>
+          </a:p>
+        </p:txBody>
+      </p:sp>
+    </p:spTree>
+    <p:extLst>
+      <p:ext uri="{BB962C8B-B14F-4D97-AF65-F5344CB8AC3E}">
+        <p14:creationId xmlns:p14="http://schemas.microsoft.com/office/powerpoint/2010/main" val="496365961"/>
+      </p:ext>
+    </p:extLst>
+  </p:cSld>
+  <p:clrMapOvr>
+    <a:masterClrMapping/>
+  </p:clrMapOvr>
+  <mc:AlternateContent xmlns:mc="http://schemas.openxmlformats.org/markup-compatibility/2006" xmlns:p14="http://schemas.microsoft.com/office/powerpoint/2010/main">
+    <mc:Choice Requires="p14">
+      <p:transition spd="med" p14:dur="700">
+        <p:fade/>
+      </p:transition>
+    </mc:Choice>
+    <mc:Fallback xmlns="">
+      <p:transition spd="med">
+        <p:fade/>
+      </p:transition>
+    </mc:Fallback>
+  </mc:AlternateContent>
+  <p:timing>
+    <p:tnLst>
+      <p:par>
+        <p:cTn id="1" dur="indefinite" restart="never" nodeType="tmRoot"/>
+      </p:par>
+    </p:tnLst>
+  </p:timing>
+</p:sld>
+</file>
+
+<file path=ppt/slides/slide6.xml><?xml version="1.0" encoding="utf-8"?>
+<p:sld xmlns:a="http://schemas.openxmlformats.org/drawingml/2006/main" xmlns:r="http://schemas.openxmlformats.org/officeDocument/2006/relationships" xmlns:p="http://schemas.openxmlformats.org/presentationml/2006/main">
+  <p:cSld>
+    <p:spTree>
+      <p:nvGrpSpPr>
+        <p:cNvPr id="1" name=""/>
+        <p:cNvGrpSpPr/>
+        <p:nvPr/>
+      </p:nvGrpSpPr>
+      <p:grpSpPr>
+        <a:xfrm>
+          <a:off x="0" y="0"/>
+          <a:ext cx="0" cy="0"/>
+          <a:chOff x="0" y="0"/>
+          <a:chExt cx="0" cy="0"/>
+        </a:xfrm>
+      </p:grpSpPr>
+      <p:sp>
+        <p:nvSpPr>
+          <p:cNvPr id="4" name="Title 1"/>
+          <p:cNvSpPr>
+            <a:spLocks noGrp="1"/>
+          </p:cNvSpPr>
+          <p:nvPr>
+            <p:ph type="title"/>
+          </p:nvPr>
+        </p:nvSpPr>
+        <p:spPr>
+          <a:xfrm>
+            <a:off x="3287688" y="548680"/>
+            <a:ext cx="4394920" cy="1145224"/>
+          </a:xfrm>
+        </p:spPr>
+        <p:txBody>
+          <a:bodyPr/>
+          <a:lstStyle/>
+          <a:p>
+            <a:pPr algn="r"/>
+            <a:r>
+              <a:rPr lang="he-IL" dirty="0" smtClean="0">
+                <a:solidFill>
+                  <a:schemeClr val="accent5">
+                    <a:lumMod val="75000"/>
+                  </a:schemeClr>
+                </a:solidFill>
+              </a:rPr>
+              <a:t>ניהול </a:t>
+            </a:r>
+            <a:r>
+              <a:rPr lang="en-US" dirty="0" smtClean="0">
+                <a:solidFill>
+                  <a:schemeClr val="accent5">
+                    <a:lumMod val="75000"/>
+                  </a:schemeClr>
+                </a:solidFill>
+              </a:rPr>
+              <a:t>DB </a:t>
+            </a:r>
+            <a:endParaRPr lang="en-US" dirty="0">
+              <a:solidFill>
+                <a:schemeClr val="accent5">
+                  <a:lumMod val="75000"/>
+                </a:schemeClr>
+              </a:solidFill>
+            </a:endParaRPr>
+          </a:p>
+        </p:txBody>
+      </p:sp>
+      <p:sp>
+        <p:nvSpPr>
+          <p:cNvPr id="5" name="תרשים זרימה: דיסק מגנטי 4"/>
+          <p:cNvSpPr/>
+          <p:nvPr/>
+        </p:nvSpPr>
+        <p:spPr>
+          <a:xfrm>
+            <a:off x="9696400" y="2276872"/>
+            <a:ext cx="1008112" cy="2376264"/>
+          </a:xfrm>
+          <a:prstGeom prst="flowChartMagneticDisk">
+            <a:avLst/>
+          </a:prstGeom>
+        </p:spPr>
+        <p:style>
+          <a:lnRef idx="2">
+            <a:schemeClr val="accent1">
+              <a:shade val="50000"/>
+            </a:schemeClr>
+          </a:lnRef>
+          <a:fillRef idx="1">
+            <a:schemeClr val="accent1"/>
+          </a:fillRef>
+          <a:effectRef idx="0">
+            <a:schemeClr val="accent1"/>
+          </a:effectRef>
+          <a:fontRef idx="minor">
+            <a:schemeClr val="lt1"/>
+          </a:fontRef>
+        </p:style>
+        <p:txBody>
+          <a:bodyPr rtlCol="1" anchor="ctr"/>
+          <a:lstStyle/>
+          <a:p>
+            <a:pPr algn="ctr"/>
+            <a:endParaRPr lang="he-IL"/>
+          </a:p>
+        </p:txBody>
+      </p:sp>
+      <p:sp>
+        <p:nvSpPr>
+          <p:cNvPr id="6" name="מלבן 5"/>
+          <p:cNvSpPr/>
+          <p:nvPr/>
+        </p:nvSpPr>
+        <p:spPr>
+          <a:xfrm>
+            <a:off x="8904312" y="1196752"/>
+            <a:ext cx="2295821" cy="923330"/>
+          </a:xfrm>
+          <a:prstGeom prst="rect">
+            <a:avLst/>
+          </a:prstGeom>
+          <a:noFill/>
+        </p:spPr>
+        <p:txBody>
+          <a:bodyPr wrap="none" lIns="91440" tIns="45720" rIns="91440" bIns="45720">
+            <a:spAutoFit/>
+            <a:scene3d>
+              <a:camera prst="orthographicFront"/>
+              <a:lightRig rig="soft" dir="tl">
+                <a:rot lat="0" lon="0" rev="0"/>
+              </a:lightRig>
+            </a:scene3d>
+            <a:sp3d contourW="25400" prstMaterial="matte">
+              <a:bevelT w="25400" h="55880" prst="artDeco"/>
+              <a:contourClr>
+                <a:schemeClr val="accent2">
+                  <a:tint val="20000"/>
+                </a:schemeClr>
+              </a:contourClr>
+            </a:sp3d>
+          </a:bodyPr>
+          <a:lstStyle/>
+          <a:p>
+            <a:pPr algn="ctr"/>
+            <a:r>
+              <a:rPr lang="he-IL" sz="5400" b="1" spc="50" dirty="0" smtClean="0">
+                <a:ln w="11430"/>
+                <a:gradFill>
+                  <a:gsLst>
+                    <a:gs pos="25000">
+                      <a:schemeClr val="accent2">
+                        <a:satMod val="155000"/>
+                      </a:schemeClr>
+                    </a:gs>
+                    <a:gs pos="100000">
+                      <a:schemeClr val="accent2">
+                        <a:shade val="45000"/>
+                        <a:satMod val="165000"/>
+                      </a:schemeClr>
+                    </a:gs>
+                  </a:gsLst>
+                  <a:lin ang="5400000"/>
+                </a:gradFill>
+                <a:effectLst>
+                  <a:outerShdw blurRad="76200" dist="50800" dir="5400000" algn="tl" rotWithShape="0">
+                    <a:srgbClr val="000000">
+                      <a:alpha val="65000"/>
+                    </a:srgbClr>
+                  </a:outerShdw>
+                </a:effectLst>
+              </a:rPr>
+              <a:t>נזקקים</a:t>
+            </a:r>
+            <a:endParaRPr lang="he-IL" sz="5400" b="1" cap="none" spc="50" dirty="0">
+              <a:ln w="11430"/>
+              <a:gradFill>
+                <a:gsLst>
+                  <a:gs pos="25000">
+                    <a:schemeClr val="accent2">
+                      <a:satMod val="155000"/>
+                    </a:schemeClr>
+                  </a:gs>
+                  <a:gs pos="100000">
+                    <a:schemeClr val="accent2">
+                      <a:shade val="45000"/>
+                      <a:satMod val="165000"/>
+                    </a:schemeClr>
+                  </a:gs>
+                </a:gsLst>
+                <a:lin ang="5400000"/>
+              </a:gradFill>
+              <a:effectLst>
+                <a:outerShdw blurRad="76200" dist="50800" dir="5400000" algn="tl" rotWithShape="0">
+                  <a:srgbClr val="000000">
+                    <a:alpha val="65000"/>
+                  </a:srgbClr>
+                </a:outerShdw>
+              </a:effectLst>
+            </a:endParaRPr>
+          </a:p>
+        </p:txBody>
+      </p:sp>
+      <p:sp>
+        <p:nvSpPr>
+          <p:cNvPr id="7" name="תרשים זרימה: דיסק מגנטי 6"/>
+          <p:cNvSpPr/>
+          <p:nvPr/>
+        </p:nvSpPr>
+        <p:spPr>
+          <a:xfrm>
+            <a:off x="6312024" y="2956249"/>
+            <a:ext cx="1008112" cy="2376264"/>
+          </a:xfrm>
+          <a:prstGeom prst="flowChartMagneticDisk">
+            <a:avLst/>
+          </a:prstGeom>
+        </p:spPr>
+        <p:style>
+          <a:lnRef idx="2">
+            <a:schemeClr val="accent1">
+              <a:shade val="50000"/>
+            </a:schemeClr>
+          </a:lnRef>
+          <a:fillRef idx="1">
+            <a:schemeClr val="accent1"/>
+          </a:fillRef>
+          <a:effectRef idx="0">
+            <a:schemeClr val="accent1"/>
+          </a:effectRef>
+          <a:fontRef idx="minor">
+            <a:schemeClr val="lt1"/>
+          </a:fontRef>
+        </p:style>
+        <p:txBody>
+          <a:bodyPr rtlCol="1" anchor="ctr"/>
+          <a:lstStyle/>
+          <a:p>
+            <a:pPr algn="ctr"/>
+            <a:endParaRPr lang="he-IL"/>
+          </a:p>
+        </p:txBody>
+      </p:sp>
+      <p:sp>
+        <p:nvSpPr>
+          <p:cNvPr id="8" name="מלבן 7"/>
+          <p:cNvSpPr/>
+          <p:nvPr/>
+        </p:nvSpPr>
+        <p:spPr>
+          <a:xfrm>
+            <a:off x="5419749" y="1876129"/>
+            <a:ext cx="2496196" cy="923330"/>
+          </a:xfrm>
+          <a:prstGeom prst="rect">
+            <a:avLst/>
+          </a:prstGeom>
+          <a:noFill/>
+        </p:spPr>
+        <p:txBody>
+          <a:bodyPr wrap="none" lIns="91440" tIns="45720" rIns="91440" bIns="45720">
+            <a:spAutoFit/>
+            <a:scene3d>
+              <a:camera prst="orthographicFront"/>
+              <a:lightRig rig="soft" dir="tl">
+                <a:rot lat="0" lon="0" rev="0"/>
+              </a:lightRig>
+            </a:scene3d>
+            <a:sp3d contourW="25400" prstMaterial="matte">
+              <a:bevelT w="25400" h="55880" prst="artDeco"/>
+              <a:contourClr>
+                <a:schemeClr val="accent2">
+                  <a:tint val="20000"/>
+                </a:schemeClr>
+              </a:contourClr>
+            </a:sp3d>
+          </a:bodyPr>
+          <a:lstStyle/>
+          <a:p>
+            <a:pPr algn="ctr"/>
+            <a:r>
+              <a:rPr lang="he-IL" sz="5400" b="1" spc="50" dirty="0" smtClean="0">
+                <a:ln w="11430"/>
+                <a:gradFill>
+                  <a:gsLst>
+                    <a:gs pos="25000">
+                      <a:schemeClr val="accent2">
+                        <a:satMod val="155000"/>
+                      </a:schemeClr>
+                    </a:gs>
+                    <a:gs pos="100000">
+                      <a:schemeClr val="accent2">
+                        <a:shade val="45000"/>
+                        <a:satMod val="165000"/>
+                      </a:schemeClr>
+                    </a:gs>
+                  </a:gsLst>
+                  <a:lin ang="5400000"/>
+                </a:gradFill>
+                <a:effectLst>
+                  <a:outerShdw blurRad="76200" dist="50800" dir="5400000" algn="tl" rotWithShape="0">
+                    <a:srgbClr val="000000">
+                      <a:alpha val="65000"/>
+                    </a:srgbClr>
+                  </a:outerShdw>
+                </a:effectLst>
+              </a:rPr>
+              <a:t>תורמים</a:t>
+            </a:r>
+          </a:p>
+        </p:txBody>
+      </p:sp>
+      <p:sp>
+        <p:nvSpPr>
+          <p:cNvPr id="9" name="תרשים זרימה: דיסק מגנטי 8"/>
+          <p:cNvSpPr/>
+          <p:nvPr/>
+        </p:nvSpPr>
+        <p:spPr>
+          <a:xfrm>
+            <a:off x="2783632" y="2492896"/>
+            <a:ext cx="1008112" cy="2376264"/>
+          </a:xfrm>
+          <a:prstGeom prst="flowChartMagneticDisk">
+            <a:avLst/>
+          </a:prstGeom>
+        </p:spPr>
+        <p:style>
+          <a:lnRef idx="2">
+            <a:schemeClr val="accent1">
+              <a:shade val="50000"/>
+            </a:schemeClr>
+          </a:lnRef>
+          <a:fillRef idx="1">
+            <a:schemeClr val="accent1"/>
+          </a:fillRef>
+          <a:effectRef idx="0">
+            <a:schemeClr val="accent1"/>
+          </a:effectRef>
+          <a:fontRef idx="minor">
+            <a:schemeClr val="lt1"/>
+          </a:fontRef>
+        </p:style>
+        <p:txBody>
+          <a:bodyPr rtlCol="1" anchor="ctr"/>
+          <a:lstStyle/>
+          <a:p>
+            <a:pPr algn="ctr"/>
+            <a:endParaRPr lang="he-IL"/>
+          </a:p>
+        </p:txBody>
+      </p:sp>
+      <p:sp>
+        <p:nvSpPr>
+          <p:cNvPr id="10" name="מלבן 9"/>
+          <p:cNvSpPr/>
+          <p:nvPr/>
+        </p:nvSpPr>
+        <p:spPr>
+          <a:xfrm>
+            <a:off x="1828841" y="1412776"/>
+            <a:ext cx="2621231" cy="923330"/>
+          </a:xfrm>
+          <a:prstGeom prst="rect">
+            <a:avLst/>
+          </a:prstGeom>
+          <a:noFill/>
+        </p:spPr>
+        <p:txBody>
+          <a:bodyPr wrap="none" lIns="91440" tIns="45720" rIns="91440" bIns="45720">
+            <a:spAutoFit/>
+            <a:scene3d>
+              <a:camera prst="orthographicFront"/>
+              <a:lightRig rig="soft" dir="tl">
+                <a:rot lat="0" lon="0" rev="0"/>
+              </a:lightRig>
+            </a:scene3d>
+            <a:sp3d contourW="25400" prstMaterial="matte">
+              <a:bevelT w="25400" h="55880" prst="artDeco"/>
+              <a:contourClr>
+                <a:schemeClr val="accent2">
+                  <a:tint val="20000"/>
+                </a:schemeClr>
+              </a:contourClr>
+            </a:sp3d>
+          </a:bodyPr>
+          <a:lstStyle/>
+          <a:p>
+            <a:pPr algn="ctr"/>
+            <a:r>
+              <a:rPr lang="he-IL" sz="5400" b="1" spc="50" dirty="0" smtClean="0">
+                <a:ln w="11430"/>
+                <a:gradFill>
+                  <a:gsLst>
+                    <a:gs pos="25000">
+                      <a:schemeClr val="accent2">
+                        <a:satMod val="155000"/>
+                      </a:schemeClr>
+                    </a:gs>
+                    <a:gs pos="100000">
+                      <a:schemeClr val="accent2">
+                        <a:shade val="45000"/>
+                        <a:satMod val="165000"/>
+                      </a:schemeClr>
+                    </a:gs>
+                  </a:gsLst>
+                  <a:lin ang="5400000"/>
+                </a:gradFill>
+                <a:effectLst>
+                  <a:outerShdw blurRad="76200" dist="50800" dir="5400000" algn="tl" rotWithShape="0">
+                    <a:srgbClr val="000000">
+                      <a:alpha val="65000"/>
+                    </a:srgbClr>
+                  </a:outerShdw>
+                </a:effectLst>
+              </a:rPr>
+              <a:t>מובילים</a:t>
+            </a:r>
+          </a:p>
+        </p:txBody>
+      </p:sp>
+    </p:spTree>
+    <p:extLst>
+      <p:ext uri="{BB962C8B-B14F-4D97-AF65-F5344CB8AC3E}">
+        <p14:creationId xmlns:p14="http://schemas.microsoft.com/office/powerpoint/2010/main" val="967233537"/>
+      </p:ext>
+    </p:extLst>
+  </p:cSld>
+  <p:clrMapOvr>
+    <a:masterClrMapping/>
+  </p:clrMapOvr>
+  <mc:AlternateContent xmlns:mc="http://schemas.openxmlformats.org/markup-compatibility/2006" xmlns:p14="http://schemas.microsoft.com/office/powerpoint/2010/main">
+    <mc:Choice Requires="p14">
+      <p:transition spd="med" p14:dur="700">
+        <p:fade/>
+      </p:transition>
+    </mc:Choice>
+    <mc:Fallback xmlns="">
+      <p:transition spd="med">
+        <p:fade/>
+      </p:transition>
+    </mc:Fallback>
+  </mc:AlternateContent>
+  <p:timing>
+    <p:tnLst>
+      <p:par>
+        <p:cTn id="1" dur="indefinite" restart="never" nodeType="tmRoot"/>
+      </p:par>
+    </p:tnLst>
+  </p:timing>
+</p:sld>
+</file>
+
+<file path=ppt/slides/slide7.xml><?xml version="1.0" encoding="utf-8"?>
+<p:sld xmlns:a="http://schemas.openxmlformats.org/drawingml/2006/main" xmlns:r="http://schemas.openxmlformats.org/officeDocument/2006/relationships" xmlns:p="http://schemas.openxmlformats.org/presentationml/2006/main">
+  <p:cSld>
+    <p:spTree>
+      <p:nvGrpSpPr>
+        <p:cNvPr id="1" name=""/>
+        <p:cNvGrpSpPr/>
+        <p:nvPr/>
+      </p:nvGrpSpPr>
+      <p:grpSpPr>
+        <a:xfrm>
+          <a:off x="0" y="0"/>
+          <a:ext cx="0" cy="0"/>
+          <a:chOff x="0" y="0"/>
+          <a:chExt cx="0" cy="0"/>
+        </a:xfrm>
+      </p:grpSpPr>
+      <p:sp>
+        <p:nvSpPr>
+          <p:cNvPr id="4" name="Title 1"/>
+          <p:cNvSpPr>
+            <a:spLocks noGrp="1"/>
+          </p:cNvSpPr>
+          <p:nvPr>
+            <p:ph type="title"/>
+          </p:nvPr>
+        </p:nvSpPr>
+        <p:spPr>
+          <a:xfrm>
+            <a:off x="3287688" y="548680"/>
+            <a:ext cx="4394920" cy="1145224"/>
+          </a:xfrm>
+        </p:spPr>
+        <p:txBody>
+          <a:bodyPr/>
+          <a:lstStyle/>
+          <a:p>
+            <a:pPr algn="r"/>
+            <a:r>
+              <a:rPr lang="he-IL" dirty="0" smtClean="0">
+                <a:solidFill>
+                  <a:schemeClr val="accent5">
+                    <a:lumMod val="75000"/>
+                  </a:schemeClr>
+                </a:solidFill>
+              </a:rPr>
+              <a:t>ניהול </a:t>
+            </a:r>
+            <a:r>
+              <a:rPr lang="en-US" dirty="0" smtClean="0">
+                <a:solidFill>
+                  <a:schemeClr val="accent5">
+                    <a:lumMod val="75000"/>
+                  </a:schemeClr>
+                </a:solidFill>
+              </a:rPr>
+              <a:t>DB </a:t>
+            </a:r>
+            <a:endParaRPr lang="en-US" dirty="0">
+              <a:solidFill>
+                <a:schemeClr val="accent5">
+                  <a:lumMod val="75000"/>
+                </a:schemeClr>
+              </a:solidFill>
+            </a:endParaRPr>
+          </a:p>
+        </p:txBody>
+      </p:sp>
+      <p:sp>
+        <p:nvSpPr>
+          <p:cNvPr id="5" name="תרשים זרימה: דיסק מגנטי 4"/>
+          <p:cNvSpPr/>
+          <p:nvPr/>
+        </p:nvSpPr>
+        <p:spPr>
+          <a:xfrm>
+            <a:off x="9696400" y="2276872"/>
+            <a:ext cx="1008112" cy="2376264"/>
+          </a:xfrm>
+          <a:prstGeom prst="flowChartMagneticDisk">
+            <a:avLst/>
+          </a:prstGeom>
+        </p:spPr>
+        <p:style>
+          <a:lnRef idx="2">
+            <a:schemeClr val="accent1">
+              <a:shade val="50000"/>
+            </a:schemeClr>
+          </a:lnRef>
+          <a:fillRef idx="1">
+            <a:schemeClr val="accent1"/>
+          </a:fillRef>
+          <a:effectRef idx="0">
+            <a:schemeClr val="accent1"/>
+          </a:effectRef>
+          <a:fontRef idx="minor">
+            <a:schemeClr val="lt1"/>
+          </a:fontRef>
+        </p:style>
+        <p:txBody>
+          <a:bodyPr rtlCol="1" anchor="ctr"/>
+          <a:lstStyle/>
+          <a:p>
+            <a:pPr algn="ctr"/>
+            <a:endParaRPr lang="he-IL"/>
+          </a:p>
+        </p:txBody>
+      </p:sp>
+      <p:sp>
+        <p:nvSpPr>
+          <p:cNvPr id="6" name="מלבן 5"/>
+          <p:cNvSpPr/>
+          <p:nvPr/>
+        </p:nvSpPr>
+        <p:spPr>
+          <a:xfrm>
+            <a:off x="8904312" y="1196752"/>
+            <a:ext cx="2295821" cy="923330"/>
+          </a:xfrm>
+          <a:prstGeom prst="rect">
+            <a:avLst/>
+          </a:prstGeom>
+          <a:noFill/>
+        </p:spPr>
+        <p:txBody>
+          <a:bodyPr wrap="none" lIns="91440" tIns="45720" rIns="91440" bIns="45720">
+            <a:spAutoFit/>
+            <a:scene3d>
+              <a:camera prst="orthographicFront"/>
+              <a:lightRig rig="soft" dir="tl">
+                <a:rot lat="0" lon="0" rev="0"/>
+              </a:lightRig>
+            </a:scene3d>
+            <a:sp3d contourW="25400" prstMaterial="matte">
+              <a:bevelT w="25400" h="55880" prst="artDeco"/>
+              <a:contourClr>
+                <a:schemeClr val="accent2">
+                  <a:tint val="20000"/>
+                </a:schemeClr>
+              </a:contourClr>
+            </a:sp3d>
+          </a:bodyPr>
+          <a:lstStyle/>
+          <a:p>
+            <a:pPr algn="ctr"/>
+            <a:r>
+              <a:rPr lang="he-IL" sz="5400" b="1" spc="50" dirty="0" smtClean="0">
+                <a:ln w="11430"/>
+                <a:gradFill>
+                  <a:gsLst>
+                    <a:gs pos="25000">
+                      <a:schemeClr val="accent2">
+                        <a:satMod val="155000"/>
+                      </a:schemeClr>
+                    </a:gs>
+                    <a:gs pos="100000">
+                      <a:schemeClr val="accent2">
+                        <a:shade val="45000"/>
+                        <a:satMod val="165000"/>
+                      </a:schemeClr>
+                    </a:gs>
+                  </a:gsLst>
+                  <a:lin ang="5400000"/>
+                </a:gradFill>
+                <a:effectLst>
+                  <a:outerShdw blurRad="76200" dist="50800" dir="5400000" algn="tl" rotWithShape="0">
+                    <a:srgbClr val="000000">
+                      <a:alpha val="65000"/>
+                    </a:srgbClr>
+                  </a:outerShdw>
+                </a:effectLst>
+              </a:rPr>
+              <a:t>נזקקים</a:t>
+            </a:r>
+            <a:endParaRPr lang="he-IL" sz="5400" b="1" cap="none" spc="50" dirty="0">
+              <a:ln w="11430"/>
+              <a:gradFill>
+                <a:gsLst>
+                  <a:gs pos="25000">
+                    <a:schemeClr val="accent2">
+                      <a:satMod val="155000"/>
+                    </a:schemeClr>
+                  </a:gs>
+                  <a:gs pos="100000">
+                    <a:schemeClr val="accent2">
+                      <a:shade val="45000"/>
+                      <a:satMod val="165000"/>
+                    </a:schemeClr>
+                  </a:gs>
+                </a:gsLst>
+                <a:lin ang="5400000"/>
+              </a:gradFill>
+              <a:effectLst>
+                <a:outerShdw blurRad="76200" dist="50800" dir="5400000" algn="tl" rotWithShape="0">
+                  <a:srgbClr val="000000">
+                    <a:alpha val="65000"/>
+                  </a:srgbClr>
+                </a:outerShdw>
+              </a:effectLst>
+            </a:endParaRPr>
+          </a:p>
+        </p:txBody>
+      </p:sp>
+      <p:sp>
+        <p:nvSpPr>
+          <p:cNvPr id="7" name="תרשים זרימה: דיסק מגנטי 6"/>
+          <p:cNvSpPr/>
+          <p:nvPr/>
+        </p:nvSpPr>
+        <p:spPr>
+          <a:xfrm>
+            <a:off x="6312024" y="2956249"/>
+            <a:ext cx="1008112" cy="2376264"/>
+          </a:xfrm>
+          <a:prstGeom prst="flowChartMagneticDisk">
+            <a:avLst/>
+          </a:prstGeom>
+        </p:spPr>
+        <p:style>
+          <a:lnRef idx="2">
+            <a:schemeClr val="accent1">
+              <a:shade val="50000"/>
+            </a:schemeClr>
+          </a:lnRef>
+          <a:fillRef idx="1">
+            <a:schemeClr val="accent1"/>
+          </a:fillRef>
+          <a:effectRef idx="0">
+            <a:schemeClr val="accent1"/>
+          </a:effectRef>
+          <a:fontRef idx="minor">
+            <a:schemeClr val="lt1"/>
+          </a:fontRef>
+        </p:style>
+        <p:txBody>
+          <a:bodyPr rtlCol="1" anchor="ctr"/>
+          <a:lstStyle/>
+          <a:p>
+            <a:pPr algn="ctr"/>
+            <a:endParaRPr lang="he-IL"/>
+          </a:p>
+        </p:txBody>
+      </p:sp>
+      <p:sp>
+        <p:nvSpPr>
+          <p:cNvPr id="8" name="מלבן 7"/>
+          <p:cNvSpPr/>
+          <p:nvPr/>
+        </p:nvSpPr>
+        <p:spPr>
+          <a:xfrm>
+            <a:off x="5419749" y="1876129"/>
+            <a:ext cx="2496196" cy="923330"/>
+          </a:xfrm>
+          <a:prstGeom prst="rect">
+            <a:avLst/>
+          </a:prstGeom>
+          <a:noFill/>
+        </p:spPr>
+        <p:txBody>
+          <a:bodyPr wrap="none" lIns="91440" tIns="45720" rIns="91440" bIns="45720">
+            <a:spAutoFit/>
+            <a:scene3d>
+              <a:camera prst="orthographicFront"/>
+              <a:lightRig rig="soft" dir="tl">
+                <a:rot lat="0" lon="0" rev="0"/>
+              </a:lightRig>
+            </a:scene3d>
+            <a:sp3d contourW="25400" prstMaterial="matte">
+              <a:bevelT w="25400" h="55880" prst="artDeco"/>
+              <a:contourClr>
+                <a:schemeClr val="accent2">
+                  <a:tint val="20000"/>
+                </a:schemeClr>
+              </a:contourClr>
+            </a:sp3d>
+          </a:bodyPr>
+          <a:lstStyle/>
+          <a:p>
+            <a:pPr algn="ctr"/>
+            <a:r>
+              <a:rPr lang="he-IL" sz="5400" b="1" spc="50" dirty="0" smtClean="0">
+                <a:ln w="11430"/>
+                <a:gradFill>
+                  <a:gsLst>
+                    <a:gs pos="25000">
+                      <a:schemeClr val="accent2">
+                        <a:satMod val="155000"/>
+                      </a:schemeClr>
+                    </a:gs>
+                    <a:gs pos="100000">
+                      <a:schemeClr val="accent2">
+                        <a:shade val="45000"/>
+                        <a:satMod val="165000"/>
+                      </a:schemeClr>
+                    </a:gs>
+                  </a:gsLst>
+                  <a:lin ang="5400000"/>
+                </a:gradFill>
+                <a:effectLst>
+                  <a:outerShdw blurRad="76200" dist="50800" dir="5400000" algn="tl" rotWithShape="0">
+                    <a:srgbClr val="000000">
+                      <a:alpha val="65000"/>
+                    </a:srgbClr>
+                  </a:outerShdw>
+                </a:effectLst>
+              </a:rPr>
+              <a:t>תורמים</a:t>
+            </a:r>
+          </a:p>
+        </p:txBody>
+      </p:sp>
+      <p:sp>
+        <p:nvSpPr>
+          <p:cNvPr id="9" name="תרשים זרימה: דיסק מגנטי 8"/>
+          <p:cNvSpPr/>
+          <p:nvPr/>
+        </p:nvSpPr>
+        <p:spPr>
+          <a:xfrm>
+            <a:off x="2783632" y="2492896"/>
+            <a:ext cx="1008112" cy="2376264"/>
+          </a:xfrm>
+          <a:prstGeom prst="flowChartMagneticDisk">
+            <a:avLst/>
+          </a:prstGeom>
+        </p:spPr>
+        <p:style>
+          <a:lnRef idx="2">
+            <a:schemeClr val="accent1">
+              <a:shade val="50000"/>
+            </a:schemeClr>
+          </a:lnRef>
+          <a:fillRef idx="1">
+            <a:schemeClr val="accent1"/>
+          </a:fillRef>
+          <a:effectRef idx="0">
+            <a:schemeClr val="accent1"/>
+          </a:effectRef>
+          <a:fontRef idx="minor">
+            <a:schemeClr val="lt1"/>
+          </a:fontRef>
+        </p:style>
+        <p:txBody>
+          <a:bodyPr rtlCol="1" anchor="ctr"/>
+          <a:lstStyle/>
+          <a:p>
+            <a:pPr algn="ctr"/>
+            <a:endParaRPr lang="he-IL"/>
+          </a:p>
+        </p:txBody>
+      </p:sp>
+      <p:sp>
+        <p:nvSpPr>
+          <p:cNvPr id="10" name="מלבן 9"/>
+          <p:cNvSpPr/>
+          <p:nvPr/>
+        </p:nvSpPr>
+        <p:spPr>
+          <a:xfrm>
+            <a:off x="1828841" y="1412776"/>
+            <a:ext cx="2621231" cy="923330"/>
+          </a:xfrm>
+          <a:prstGeom prst="rect">
+            <a:avLst/>
+          </a:prstGeom>
+          <a:noFill/>
+        </p:spPr>
+        <p:txBody>
+          <a:bodyPr wrap="none" lIns="91440" tIns="45720" rIns="91440" bIns="45720">
+            <a:spAutoFit/>
+            <a:scene3d>
+              <a:camera prst="orthographicFront"/>
+              <a:lightRig rig="soft" dir="tl">
+                <a:rot lat="0" lon="0" rev="0"/>
+              </a:lightRig>
+            </a:scene3d>
+            <a:sp3d contourW="25400" prstMaterial="matte">
+              <a:bevelT w="25400" h="55880" prst="artDeco"/>
+              <a:contourClr>
+                <a:schemeClr val="accent2">
+                  <a:tint val="20000"/>
+                </a:schemeClr>
+              </a:contourClr>
+            </a:sp3d>
+          </a:bodyPr>
+          <a:lstStyle/>
+          <a:p>
+            <a:pPr algn="ctr"/>
+            <a:r>
+              <a:rPr lang="he-IL" sz="5400" b="1" spc="50" dirty="0" smtClean="0">
+                <a:ln w="11430"/>
+                <a:gradFill>
+                  <a:gsLst>
+                    <a:gs pos="25000">
+                      <a:schemeClr val="accent2">
+                        <a:satMod val="155000"/>
+                      </a:schemeClr>
+                    </a:gs>
+                    <a:gs pos="100000">
+                      <a:schemeClr val="accent2">
+                        <a:shade val="45000"/>
+                        <a:satMod val="165000"/>
+                      </a:schemeClr>
+                    </a:gs>
+                  </a:gsLst>
+                  <a:lin ang="5400000"/>
+                </a:gradFill>
+                <a:effectLst>
+                  <a:outerShdw blurRad="76200" dist="50800" dir="5400000" algn="tl" rotWithShape="0">
+                    <a:srgbClr val="000000">
+                      <a:alpha val="65000"/>
+                    </a:srgbClr>
+                  </a:outerShdw>
+                </a:effectLst>
+              </a:rPr>
+              <a:t>מובילים</a:t>
+            </a:r>
+          </a:p>
+        </p:txBody>
+      </p:sp>
+      <p:sp>
+        <p:nvSpPr>
+          <p:cNvPr id="2" name="כפל 1"/>
+          <p:cNvSpPr/>
+          <p:nvPr/>
+        </p:nvSpPr>
+        <p:spPr>
+          <a:xfrm>
+            <a:off x="4295800" y="3676001"/>
+            <a:ext cx="1213880" cy="1008112"/>
+          </a:xfrm>
+          <a:prstGeom prst="mathMultiply">
+            <a:avLst/>
+          </a:prstGeom>
+        </p:spPr>
+        <p:style>
+          <a:lnRef idx="2">
+            <a:schemeClr val="accent1">
+              <a:shade val="50000"/>
+            </a:schemeClr>
+          </a:lnRef>
+          <a:fillRef idx="1">
+            <a:schemeClr val="accent1"/>
+          </a:fillRef>
+          <a:effectRef idx="0">
+            <a:schemeClr val="accent1"/>
+          </a:effectRef>
+          <a:fontRef idx="minor">
+            <a:schemeClr val="lt1"/>
+          </a:fontRef>
+        </p:style>
+        <p:txBody>
+          <a:bodyPr rtlCol="1" anchor="ctr"/>
+          <a:lstStyle/>
+          <a:p>
+            <a:pPr algn="ctr"/>
+            <a:endParaRPr lang="he-IL"/>
+          </a:p>
+        </p:txBody>
+      </p:sp>
+      <p:sp>
+        <p:nvSpPr>
+          <p:cNvPr id="11" name="כפל 10"/>
+          <p:cNvSpPr/>
+          <p:nvPr/>
+        </p:nvSpPr>
+        <p:spPr>
+          <a:xfrm>
+            <a:off x="7690432" y="3695201"/>
+            <a:ext cx="1213880" cy="1008112"/>
+          </a:xfrm>
+          <a:prstGeom prst="mathMultiply">
+            <a:avLst/>
+          </a:prstGeom>
+        </p:spPr>
+        <p:style>
+          <a:lnRef idx="2">
+            <a:schemeClr val="accent1">
+              <a:shade val="50000"/>
+            </a:schemeClr>
+          </a:lnRef>
+          <a:fillRef idx="1">
+            <a:schemeClr val="accent1"/>
+          </a:fillRef>
+          <a:effectRef idx="0">
+            <a:schemeClr val="accent1"/>
+          </a:effectRef>
+          <a:fontRef idx="minor">
+            <a:schemeClr val="lt1"/>
+          </a:fontRef>
+        </p:style>
+        <p:txBody>
+          <a:bodyPr rtlCol="1" anchor="ctr"/>
+          <a:lstStyle/>
+          <a:p>
+            <a:pPr algn="ctr"/>
+            <a:endParaRPr lang="he-IL"/>
+          </a:p>
+        </p:txBody>
+      </p:sp>
+    </p:spTree>
+    <p:extLst>
+      <p:ext uri="{BB962C8B-B14F-4D97-AF65-F5344CB8AC3E}">
+        <p14:creationId xmlns:p14="http://schemas.microsoft.com/office/powerpoint/2010/main" val="2961151264"/>
+      </p:ext>
+    </p:extLst>
+  </p:cSld>
+  <p:clrMapOvr>
+    <a:masterClrMapping/>
+  </p:clrMapOvr>
+  <mc:AlternateContent xmlns:mc="http://schemas.openxmlformats.org/markup-compatibility/2006" xmlns:p14="http://schemas.microsoft.com/office/powerpoint/2010/main">
+    <mc:Choice Requires="p14">
+      <p:transition spd="med" p14:dur="700">
+        <p:fade/>
+      </p:transition>
+    </mc:Choice>
+    <mc:Fallback xmlns="">
+      <p:transition spd="med">
+        <p:fade/>
+      </p:transition>
+    </mc:Fallback>
+  </mc:AlternateContent>
+  <p:timing>
+    <p:tnLst>
+      <p:par>
+        <p:cTn id="1" dur="indefinite" restart="never" nodeType="tmRoot"/>
+      </p:par>
+    </p:tnLst>
+  </p:timing>
+</p:sld>
+</file>
+
+<file path=ppt/slides/slide8.xml><?xml version="1.0" encoding="utf-8"?>
+<p:sld xmlns:a="http://schemas.openxmlformats.org/drawingml/2006/main" xmlns:r="http://schemas.openxmlformats.org/officeDocument/2006/relationships" xmlns:p="http://schemas.openxmlformats.org/presentationml/2006/main">
+  <p:cSld>
+    <p:spTree>
+      <p:nvGrpSpPr>
+        <p:cNvPr id="1" name=""/>
+        <p:cNvGrpSpPr/>
+        <p:nvPr/>
+      </p:nvGrpSpPr>
+      <p:grpSpPr>
+        <a:xfrm>
+          <a:off x="0" y="0"/>
+          <a:ext cx="0" cy="0"/>
+          <a:chOff x="0" y="0"/>
+          <a:chExt cx="0" cy="0"/>
+        </a:xfrm>
+      </p:grpSpPr>
+      <p:sp>
+        <p:nvSpPr>
+          <p:cNvPr id="4" name="Title 1"/>
+          <p:cNvSpPr>
+            <a:spLocks noGrp="1"/>
+          </p:cNvSpPr>
+          <p:nvPr>
+            <p:ph type="title"/>
+          </p:nvPr>
+        </p:nvSpPr>
+        <p:spPr>
+          <a:xfrm>
+            <a:off x="3287688" y="0"/>
+            <a:ext cx="4394920" cy="1145224"/>
+          </a:xfrm>
+        </p:spPr>
+        <p:txBody>
+          <a:bodyPr/>
+          <a:lstStyle/>
+          <a:p>
+            <a:pPr algn="r"/>
+            <a:r>
+              <a:rPr lang="he-IL" dirty="0" smtClean="0">
+                <a:solidFill>
+                  <a:schemeClr val="accent5">
+                    <a:lumMod val="75000"/>
+                  </a:schemeClr>
+                </a:solidFill>
+              </a:rPr>
+              <a:t>ניהול </a:t>
+            </a:r>
+            <a:r>
+              <a:rPr lang="en-US" dirty="0" smtClean="0">
+                <a:solidFill>
+                  <a:schemeClr val="accent5">
+                    <a:lumMod val="75000"/>
+                  </a:schemeClr>
+                </a:solidFill>
+              </a:rPr>
+              <a:t>DB </a:t>
+            </a:r>
+            <a:endParaRPr lang="en-US" dirty="0">
+              <a:solidFill>
+                <a:schemeClr val="accent5">
+                  <a:lumMod val="75000"/>
+                </a:schemeClr>
+              </a:solidFill>
+            </a:endParaRPr>
+          </a:p>
+        </p:txBody>
+      </p:sp>
+      <p:sp>
+        <p:nvSpPr>
+          <p:cNvPr id="5" name="תרשים זרימה: דיסק מגנטי 4"/>
+          <p:cNvSpPr/>
+          <p:nvPr/>
+        </p:nvSpPr>
+        <p:spPr>
+          <a:xfrm>
+            <a:off x="9696400" y="2276872"/>
+            <a:ext cx="1008112" cy="2376264"/>
+          </a:xfrm>
+          <a:prstGeom prst="flowChartMagneticDisk">
+            <a:avLst/>
+          </a:prstGeom>
+        </p:spPr>
+        <p:style>
+          <a:lnRef idx="2">
+            <a:schemeClr val="accent1">
+              <a:shade val="50000"/>
+            </a:schemeClr>
+          </a:lnRef>
+          <a:fillRef idx="1">
+            <a:schemeClr val="accent1"/>
+          </a:fillRef>
+          <a:effectRef idx="0">
+            <a:schemeClr val="accent1"/>
+          </a:effectRef>
+          <a:fontRef idx="minor">
+            <a:schemeClr val="lt1"/>
+          </a:fontRef>
+        </p:style>
+        <p:txBody>
+          <a:bodyPr rtlCol="1" anchor="ctr"/>
+          <a:lstStyle/>
+          <a:p>
+            <a:pPr algn="ctr"/>
+            <a:endParaRPr lang="he-IL"/>
+          </a:p>
+        </p:txBody>
+      </p:sp>
+      <p:sp>
+        <p:nvSpPr>
+          <p:cNvPr id="6" name="מלבן 5"/>
+          <p:cNvSpPr/>
+          <p:nvPr/>
+        </p:nvSpPr>
+        <p:spPr>
+          <a:xfrm>
+            <a:off x="8904312" y="1196752"/>
+            <a:ext cx="2295821" cy="923330"/>
+          </a:xfrm>
+          <a:prstGeom prst="rect">
+            <a:avLst/>
+          </a:prstGeom>
+          <a:noFill/>
+        </p:spPr>
+        <p:txBody>
+          <a:bodyPr wrap="none" lIns="91440" tIns="45720" rIns="91440" bIns="45720">
+            <a:spAutoFit/>
+            <a:scene3d>
+              <a:camera prst="orthographicFront"/>
+              <a:lightRig rig="soft" dir="tl">
+                <a:rot lat="0" lon="0" rev="0"/>
+              </a:lightRig>
+            </a:scene3d>
+            <a:sp3d contourW="25400" prstMaterial="matte">
+              <a:bevelT w="25400" h="55880" prst="artDeco"/>
+              <a:contourClr>
+                <a:schemeClr val="accent2">
+                  <a:tint val="20000"/>
+                </a:schemeClr>
+              </a:contourClr>
+            </a:sp3d>
+          </a:bodyPr>
+          <a:lstStyle/>
+          <a:p>
+            <a:pPr algn="ctr"/>
+            <a:r>
+              <a:rPr lang="he-IL" sz="5400" b="1" spc="50" dirty="0" smtClean="0">
+                <a:ln w="11430"/>
+                <a:gradFill>
+                  <a:gsLst>
+                    <a:gs pos="25000">
+                      <a:schemeClr val="accent2">
+                        <a:satMod val="155000"/>
+                      </a:schemeClr>
+                    </a:gs>
+                    <a:gs pos="100000">
+                      <a:schemeClr val="accent2">
+                        <a:shade val="45000"/>
+                        <a:satMod val="165000"/>
+                      </a:schemeClr>
+                    </a:gs>
+                  </a:gsLst>
+                  <a:lin ang="5400000"/>
+                </a:gradFill>
+                <a:effectLst>
+                  <a:outerShdw blurRad="76200" dist="50800" dir="5400000" algn="tl" rotWithShape="0">
+                    <a:srgbClr val="000000">
+                      <a:alpha val="65000"/>
+                    </a:srgbClr>
+                  </a:outerShdw>
+                </a:effectLst>
+              </a:rPr>
+              <a:t>נזקקים</a:t>
+            </a:r>
+            <a:endParaRPr lang="he-IL" sz="5400" b="1" cap="none" spc="50" dirty="0">
+              <a:ln w="11430"/>
+              <a:gradFill>
+                <a:gsLst>
+                  <a:gs pos="25000">
+                    <a:schemeClr val="accent2">
+                      <a:satMod val="155000"/>
+                    </a:schemeClr>
+                  </a:gs>
+                  <a:gs pos="100000">
+                    <a:schemeClr val="accent2">
+                      <a:shade val="45000"/>
+                      <a:satMod val="165000"/>
+                    </a:schemeClr>
+                  </a:gs>
+                </a:gsLst>
+                <a:lin ang="5400000"/>
+              </a:gradFill>
+              <a:effectLst>
+                <a:outerShdw blurRad="76200" dist="50800" dir="5400000" algn="tl" rotWithShape="0">
+                  <a:srgbClr val="000000">
+                    <a:alpha val="65000"/>
+                  </a:srgbClr>
+                </a:outerShdw>
+              </a:effectLst>
+            </a:endParaRPr>
+          </a:p>
+        </p:txBody>
+      </p:sp>
+      <p:sp>
+        <p:nvSpPr>
+          <p:cNvPr id="7" name="תרשים זרימה: דיסק מגנטי 6"/>
+          <p:cNvSpPr/>
+          <p:nvPr/>
+        </p:nvSpPr>
+        <p:spPr>
+          <a:xfrm>
+            <a:off x="6312024" y="2956249"/>
+            <a:ext cx="1008112" cy="2376264"/>
+          </a:xfrm>
+          <a:prstGeom prst="flowChartMagneticDisk">
+            <a:avLst/>
+          </a:prstGeom>
+        </p:spPr>
+        <p:style>
+          <a:lnRef idx="2">
+            <a:schemeClr val="accent1">
+              <a:shade val="50000"/>
+            </a:schemeClr>
+          </a:lnRef>
+          <a:fillRef idx="1">
+            <a:schemeClr val="accent1"/>
+          </a:fillRef>
+          <a:effectRef idx="0">
+            <a:schemeClr val="accent1"/>
+          </a:effectRef>
+          <a:fontRef idx="minor">
+            <a:schemeClr val="lt1"/>
+          </a:fontRef>
+        </p:style>
+        <p:txBody>
+          <a:bodyPr rtlCol="1" anchor="ctr"/>
+          <a:lstStyle/>
+          <a:p>
+            <a:pPr algn="ctr"/>
+            <a:endParaRPr lang="he-IL"/>
+          </a:p>
+        </p:txBody>
+      </p:sp>
+      <p:sp>
+        <p:nvSpPr>
+          <p:cNvPr id="8" name="מלבן 7"/>
+          <p:cNvSpPr/>
+          <p:nvPr/>
+        </p:nvSpPr>
+        <p:spPr>
+          <a:xfrm>
+            <a:off x="5419749" y="1876129"/>
+            <a:ext cx="2496196" cy="923330"/>
+          </a:xfrm>
+          <a:prstGeom prst="rect">
+            <a:avLst/>
+          </a:prstGeom>
+          <a:noFill/>
+        </p:spPr>
+        <p:txBody>
+          <a:bodyPr wrap="none" lIns="91440" tIns="45720" rIns="91440" bIns="45720">
+            <a:spAutoFit/>
+            <a:scene3d>
+              <a:camera prst="orthographicFront"/>
+              <a:lightRig rig="soft" dir="tl">
+                <a:rot lat="0" lon="0" rev="0"/>
+              </a:lightRig>
+            </a:scene3d>
+            <a:sp3d contourW="25400" prstMaterial="matte">
+              <a:bevelT w="25400" h="55880" prst="artDeco"/>
+              <a:contourClr>
+                <a:schemeClr val="accent2">
+                  <a:tint val="20000"/>
+                </a:schemeClr>
+              </a:contourClr>
+            </a:sp3d>
+          </a:bodyPr>
+          <a:lstStyle/>
+          <a:p>
+            <a:pPr algn="ctr"/>
+            <a:r>
+              <a:rPr lang="he-IL" sz="5400" b="1" spc="50" dirty="0" smtClean="0">
+                <a:ln w="11430"/>
+                <a:gradFill>
+                  <a:gsLst>
+                    <a:gs pos="25000">
+                      <a:schemeClr val="accent2">
+                        <a:satMod val="155000"/>
+                      </a:schemeClr>
+                    </a:gs>
+                    <a:gs pos="100000">
+                      <a:schemeClr val="accent2">
+                        <a:shade val="45000"/>
+                        <a:satMod val="165000"/>
+                      </a:schemeClr>
+                    </a:gs>
+                  </a:gsLst>
+                  <a:lin ang="5400000"/>
+                </a:gradFill>
+                <a:effectLst>
+                  <a:outerShdw blurRad="76200" dist="50800" dir="5400000" algn="tl" rotWithShape="0">
+                    <a:srgbClr val="000000">
+                      <a:alpha val="65000"/>
+                    </a:srgbClr>
+                  </a:outerShdw>
+                </a:effectLst>
+              </a:rPr>
+              <a:t>תורמים</a:t>
+            </a:r>
+          </a:p>
+        </p:txBody>
+      </p:sp>
+      <p:sp>
+        <p:nvSpPr>
+          <p:cNvPr id="9" name="תרשים זרימה: דיסק מגנטי 8"/>
+          <p:cNvSpPr/>
+          <p:nvPr/>
+        </p:nvSpPr>
+        <p:spPr>
+          <a:xfrm>
+            <a:off x="2783632" y="2492896"/>
+            <a:ext cx="1008112" cy="2376264"/>
+          </a:xfrm>
+          <a:prstGeom prst="flowChartMagneticDisk">
+            <a:avLst/>
+          </a:prstGeom>
+        </p:spPr>
+        <p:style>
+          <a:lnRef idx="2">
+            <a:schemeClr val="accent1">
+              <a:shade val="50000"/>
+            </a:schemeClr>
+          </a:lnRef>
+          <a:fillRef idx="1">
+            <a:schemeClr val="accent1"/>
+          </a:fillRef>
+          <a:effectRef idx="0">
+            <a:schemeClr val="accent1"/>
+          </a:effectRef>
+          <a:fontRef idx="minor">
+            <a:schemeClr val="lt1"/>
+          </a:fontRef>
+        </p:style>
+        <p:txBody>
+          <a:bodyPr rtlCol="1" anchor="ctr"/>
+          <a:lstStyle/>
+          <a:p>
+            <a:pPr algn="ctr"/>
+            <a:endParaRPr lang="he-IL"/>
+          </a:p>
+        </p:txBody>
+      </p:sp>
+      <p:sp>
+        <p:nvSpPr>
+          <p:cNvPr id="10" name="מלבן 9"/>
+          <p:cNvSpPr/>
+          <p:nvPr/>
+        </p:nvSpPr>
+        <p:spPr>
+          <a:xfrm>
+            <a:off x="1828841" y="1412776"/>
+            <a:ext cx="2621231" cy="923330"/>
+          </a:xfrm>
+          <a:prstGeom prst="rect">
+            <a:avLst/>
+          </a:prstGeom>
+          <a:noFill/>
+        </p:spPr>
+        <p:txBody>
+          <a:bodyPr wrap="none" lIns="91440" tIns="45720" rIns="91440" bIns="45720">
+            <a:spAutoFit/>
+            <a:scene3d>
+              <a:camera prst="orthographicFront"/>
+              <a:lightRig rig="soft" dir="tl">
+                <a:rot lat="0" lon="0" rev="0"/>
+              </a:lightRig>
+            </a:scene3d>
+            <a:sp3d contourW="25400" prstMaterial="matte">
+              <a:bevelT w="25400" h="55880" prst="artDeco"/>
+              <a:contourClr>
+                <a:schemeClr val="accent2">
+                  <a:tint val="20000"/>
+                </a:schemeClr>
+              </a:contourClr>
+            </a:sp3d>
+          </a:bodyPr>
+          <a:lstStyle/>
+          <a:p>
+            <a:pPr algn="ctr"/>
+            <a:r>
+              <a:rPr lang="he-IL" sz="5400" b="1" spc="50" dirty="0" smtClean="0">
+                <a:ln w="11430"/>
+                <a:gradFill>
+                  <a:gsLst>
+                    <a:gs pos="25000">
+                      <a:schemeClr val="accent2">
+                        <a:satMod val="155000"/>
+                      </a:schemeClr>
+                    </a:gs>
+                    <a:gs pos="100000">
+                      <a:schemeClr val="accent2">
+                        <a:shade val="45000"/>
+                        <a:satMod val="165000"/>
+                      </a:schemeClr>
+                    </a:gs>
+                  </a:gsLst>
+                  <a:lin ang="5400000"/>
+                </a:gradFill>
+                <a:effectLst>
+                  <a:outerShdw blurRad="76200" dist="50800" dir="5400000" algn="tl" rotWithShape="0">
+                    <a:srgbClr val="000000">
+                      <a:alpha val="65000"/>
+                    </a:srgbClr>
+                  </a:outerShdw>
+                </a:effectLst>
+              </a:rPr>
+              <a:t>מובילים</a:t>
+            </a:r>
+          </a:p>
+        </p:txBody>
+      </p:sp>
+      <p:sp>
+        <p:nvSpPr>
+          <p:cNvPr id="2" name="כפל 1"/>
+          <p:cNvSpPr/>
+          <p:nvPr/>
+        </p:nvSpPr>
+        <p:spPr>
+          <a:xfrm>
+            <a:off x="4295800" y="3676001"/>
+            <a:ext cx="1213880" cy="1008112"/>
+          </a:xfrm>
+          <a:prstGeom prst="mathMultiply">
+            <a:avLst/>
+          </a:prstGeom>
+        </p:spPr>
+        <p:style>
+          <a:lnRef idx="2">
+            <a:schemeClr val="accent1">
+              <a:shade val="50000"/>
+            </a:schemeClr>
+          </a:lnRef>
+          <a:fillRef idx="1">
+            <a:schemeClr val="accent1"/>
+          </a:fillRef>
+          <a:effectRef idx="0">
+            <a:schemeClr val="accent1"/>
+          </a:effectRef>
+          <a:fontRef idx="minor">
+            <a:schemeClr val="lt1"/>
+          </a:fontRef>
+        </p:style>
+        <p:txBody>
+          <a:bodyPr rtlCol="1" anchor="ctr"/>
+          <a:lstStyle/>
+          <a:p>
+            <a:pPr algn="ctr"/>
+            <a:endParaRPr lang="he-IL"/>
+          </a:p>
+        </p:txBody>
+      </p:sp>
+      <p:sp>
+        <p:nvSpPr>
+          <p:cNvPr id="3" name="TextBox 2"/>
+          <p:cNvSpPr txBox="1"/>
+          <p:nvPr/>
+        </p:nvSpPr>
+        <p:spPr>
+          <a:xfrm>
+            <a:off x="2783632" y="3465004"/>
+            <a:ext cx="1008112" cy="646331"/>
+          </a:xfrm>
+          <a:prstGeom prst="rect">
+            <a:avLst/>
+          </a:prstGeom>
+          <a:noFill/>
+        </p:spPr>
+        <p:txBody>
+          <a:bodyPr wrap="square" rtlCol="1">
+            <a:spAutoFit/>
+          </a:bodyPr>
+          <a:lstStyle/>
+          <a:p>
+            <a:pPr algn="ctr"/>
+            <a:r>
+              <a:rPr lang="he-IL" b="1" dirty="0" smtClean="0">
+                <a:solidFill>
+                  <a:schemeClr val="bg1"/>
+                </a:solidFill>
+              </a:rPr>
+              <a:t>מיקום</a:t>
+            </a:r>
+          </a:p>
+          <a:p>
+            <a:pPr algn="ctr"/>
+            <a:r>
+              <a:rPr lang="he-IL" b="1" dirty="0" smtClean="0">
+                <a:solidFill>
+                  <a:schemeClr val="bg1"/>
+                </a:solidFill>
+              </a:rPr>
+              <a:t>זמן</a:t>
+            </a:r>
+            <a:endParaRPr lang="he-IL" b="1" dirty="0">
+              <a:solidFill>
+                <a:schemeClr val="bg1"/>
+              </a:solidFill>
+            </a:endParaRPr>
+          </a:p>
+        </p:txBody>
+      </p:sp>
+      <p:sp>
+        <p:nvSpPr>
+          <p:cNvPr id="12" name="TextBox 11"/>
+          <p:cNvSpPr txBox="1"/>
+          <p:nvPr/>
+        </p:nvSpPr>
+        <p:spPr>
+          <a:xfrm>
+            <a:off x="6312024" y="4021032"/>
+            <a:ext cx="1008112" cy="646331"/>
+          </a:xfrm>
+          <a:prstGeom prst="rect">
+            <a:avLst/>
+          </a:prstGeom>
+          <a:noFill/>
+        </p:spPr>
+        <p:txBody>
+          <a:bodyPr wrap="square" rtlCol="1">
+            <a:spAutoFit/>
+          </a:bodyPr>
+          <a:lstStyle/>
+          <a:p>
+            <a:pPr algn="ctr"/>
+            <a:r>
+              <a:rPr lang="he-IL" b="1" dirty="0" smtClean="0">
+                <a:solidFill>
+                  <a:schemeClr val="bg1"/>
+                </a:solidFill>
+              </a:rPr>
+              <a:t>מיקום</a:t>
+            </a:r>
+          </a:p>
+          <a:p>
+            <a:pPr algn="ctr"/>
+            <a:r>
+              <a:rPr lang="he-IL" b="1" dirty="0" smtClean="0">
+                <a:solidFill>
+                  <a:schemeClr val="bg1"/>
+                </a:solidFill>
+              </a:rPr>
+              <a:t>זמן</a:t>
+            </a:r>
+            <a:endParaRPr lang="he-IL" b="1" dirty="0">
+              <a:solidFill>
+                <a:schemeClr val="bg1"/>
+              </a:solidFill>
+            </a:endParaRPr>
+          </a:p>
+        </p:txBody>
+      </p:sp>
+      <p:sp>
+        <p:nvSpPr>
+          <p:cNvPr id="13" name="TextBox 12"/>
+          <p:cNvSpPr txBox="1"/>
+          <p:nvPr/>
+        </p:nvSpPr>
+        <p:spPr>
+          <a:xfrm>
+            <a:off x="9706381" y="3352835"/>
+            <a:ext cx="1008112" cy="646331"/>
+          </a:xfrm>
+          <a:prstGeom prst="rect">
+            <a:avLst/>
+          </a:prstGeom>
+          <a:noFill/>
+        </p:spPr>
+        <p:txBody>
+          <a:bodyPr wrap="square" rtlCol="1">
+            <a:spAutoFit/>
+          </a:bodyPr>
+          <a:lstStyle/>
+          <a:p>
+            <a:pPr algn="ctr"/>
+            <a:r>
+              <a:rPr lang="he-IL" b="1" dirty="0" smtClean="0">
+                <a:solidFill>
+                  <a:schemeClr val="bg1"/>
+                </a:solidFill>
+              </a:rPr>
+              <a:t>מיקום</a:t>
+            </a:r>
+          </a:p>
+          <a:p>
+            <a:pPr algn="ctr"/>
+            <a:r>
+              <a:rPr lang="he-IL" b="1" dirty="0" smtClean="0">
+                <a:solidFill>
+                  <a:schemeClr val="bg1"/>
+                </a:solidFill>
+              </a:rPr>
+              <a:t>זמן</a:t>
+            </a:r>
+            <a:endParaRPr lang="he-IL" b="1" dirty="0">
+              <a:solidFill>
+                <a:schemeClr val="bg1"/>
+              </a:solidFill>
+            </a:endParaRPr>
+          </a:p>
+        </p:txBody>
+      </p:sp>
+      <p:sp>
+        <p:nvSpPr>
+          <p:cNvPr id="14" name="כפל 13"/>
+          <p:cNvSpPr/>
+          <p:nvPr/>
+        </p:nvSpPr>
+        <p:spPr>
+          <a:xfrm>
+            <a:off x="7690432" y="3695201"/>
+            <a:ext cx="1213880" cy="1008112"/>
+          </a:xfrm>
+          <a:prstGeom prst="mathMultiply">
+            <a:avLst/>
+          </a:prstGeom>
+        </p:spPr>
+        <p:style>
+          <a:lnRef idx="2">
+            <a:schemeClr val="accent1">
+              <a:shade val="50000"/>
+            </a:schemeClr>
+          </a:lnRef>
+          <a:fillRef idx="1">
+            <a:schemeClr val="accent1"/>
+          </a:fillRef>
+          <a:effectRef idx="0">
+            <a:schemeClr val="accent1"/>
+          </a:effectRef>
+          <a:fontRef idx="minor">
+            <a:schemeClr val="lt1"/>
+          </a:fontRef>
+        </p:style>
+        <p:txBody>
+          <a:bodyPr rtlCol="1" anchor="ctr"/>
+          <a:lstStyle/>
+          <a:p>
+            <a:pPr algn="ctr"/>
+            <a:endParaRPr lang="he-IL"/>
+          </a:p>
+        </p:txBody>
+      </p:sp>
+    </p:spTree>
+    <p:extLst>
+      <p:ext uri="{BB962C8B-B14F-4D97-AF65-F5344CB8AC3E}">
+        <p14:creationId xmlns:p14="http://schemas.microsoft.com/office/powerpoint/2010/main" val="374681504"/>
       </p:ext>
     </p:extLst>
   </p:cSld>
